--- a/动态规划 - 讲解/动态规划2.pptx
+++ b/动态规划 - 讲解/动态规划2.pptx
@@ -145,10 +145,21 @@
   </p:defaultTextStyle>
   <p:extLst>
     <p:ext uri="{EFAFB233-063F-42B5-8137-9DF3F51BA10A}">
-      <p15:sldGuideLst xmlns:p15="http://schemas.microsoft.com/office/powerpoint/2012/main" xmlns=""/>
+      <p15:sldGuideLst xmlns:p15="http://schemas.microsoft.com/office/powerpoint/2012/main">
+        <p15:guide id="1" orient="horz" pos="2160">
+          <p15:clr>
+            <a:srgbClr val="A4A3A4"/>
+          </p15:clr>
+        </p15:guide>
+        <p15:guide id="2" pos="3840">
+          <p15:clr>
+            <a:srgbClr val="A4A3A4"/>
+          </p15:clr>
+        </p15:guide>
+      </p15:sldGuideLst>
     </p:ext>
     <p:ext uri="{2D200454-40CA-4A62-9FC3-DE9A4176ACB9}">
-      <p15:notesGuideLst xmlns:p15="http://schemas.microsoft.com/office/powerpoint/2012/main" xmlns=""/>
+      <p15:notesGuideLst xmlns:p15="http://schemas.microsoft.com/office/powerpoint/2012/main"/>
     </p:ext>
   </p:extLst>
 </p:presentation>
@@ -156,9 +167,7 @@
 
 <file path=ppt/commentAuthors.xml><?xml version="1.0" encoding="utf-8"?>
 <p:cmAuthorLst xmlns:a="http://schemas.openxmlformats.org/drawingml/2006/main" xmlns:r="http://schemas.openxmlformats.org/officeDocument/2006/relationships" xmlns:p="http://schemas.openxmlformats.org/presentationml/2006/main">
-  <p:cmAuthor id="1" name="吴 佳伟" initials="吴" lastIdx="1" clrIdx="0">
-    <p:extLst/>
-  </p:cmAuthor>
+  <p:cmAuthor id="1" name="吴 佳伟" initials="吴" lastIdx="1" clrIdx="0"/>
 </p:cmAuthorLst>
 </file>
 
@@ -1096,13 +1105,6 @@
         </dgm:presLayoutVars>
       </dgm:prSet>
       <dgm:spPr/>
-      <dgm:t>
-        <a:bodyPr/>
-        <a:lstStyle/>
-        <a:p>
-          <a:endParaRPr lang="zh-CN" altLang="en-US"/>
-        </a:p>
-      </dgm:t>
     </dgm:pt>
     <dgm:pt modelId="{43DFDBFF-6833-4AE1-833B-68191B6C2EC7}" type="pres">
       <dgm:prSet presAssocID="{D9F5CA93-8106-4613-86A3-DAF5DE91A7D4}" presName="Name1" presStyleCnt="0"/>
@@ -1119,13 +1121,6 @@
     <dgm:pt modelId="{445D967F-D04F-4D49-B57F-D6D238C1D269}" type="pres">
       <dgm:prSet presAssocID="{D9F5CA93-8106-4613-86A3-DAF5DE91A7D4}" presName="conn" presStyleLbl="parChTrans1D2" presStyleIdx="0" presStyleCnt="1"/>
       <dgm:spPr/>
-      <dgm:t>
-        <a:bodyPr/>
-        <a:lstStyle/>
-        <a:p>
-          <a:endParaRPr lang="zh-CN" altLang="en-US"/>
-        </a:p>
-      </dgm:t>
     </dgm:pt>
     <dgm:pt modelId="{1075C345-3978-4FAE-8CF2-EB24317E8EF2}" type="pres">
       <dgm:prSet presAssocID="{D9F5CA93-8106-4613-86A3-DAF5DE91A7D4}" presName="extraNode" presStyleLbl="node1" presStyleIdx="0" presStyleCnt="4"/>
@@ -1142,13 +1137,6 @@
         </dgm:presLayoutVars>
       </dgm:prSet>
       <dgm:spPr/>
-      <dgm:t>
-        <a:bodyPr/>
-        <a:lstStyle/>
-        <a:p>
-          <a:endParaRPr lang="zh-CN" altLang="en-US"/>
-        </a:p>
-      </dgm:t>
     </dgm:pt>
     <dgm:pt modelId="{746B8F32-065A-4285-BA94-C4152C4492FD}" type="pres">
       <dgm:prSet presAssocID="{CCFC67B1-0A96-4FD4-8F2C-032BF89CB554}" presName="accent_1" presStyleCnt="0"/>
@@ -1165,13 +1153,6 @@
         </dgm:presLayoutVars>
       </dgm:prSet>
       <dgm:spPr/>
-      <dgm:t>
-        <a:bodyPr/>
-        <a:lstStyle/>
-        <a:p>
-          <a:endParaRPr lang="zh-CN" altLang="en-US"/>
-        </a:p>
-      </dgm:t>
     </dgm:pt>
     <dgm:pt modelId="{3155DCFF-045A-4AA6-AC5E-A8A07545B652}" type="pres">
       <dgm:prSet presAssocID="{1B81682A-3D5F-4FCA-A08E-995D40EBB29F}" presName="accent_2" presStyleCnt="0"/>
@@ -1188,13 +1169,6 @@
         </dgm:presLayoutVars>
       </dgm:prSet>
       <dgm:spPr/>
-      <dgm:t>
-        <a:bodyPr/>
-        <a:lstStyle/>
-        <a:p>
-          <a:endParaRPr lang="zh-CN" altLang="en-US"/>
-        </a:p>
-      </dgm:t>
     </dgm:pt>
     <dgm:pt modelId="{E9ECDF88-9753-4861-ABF5-4F4BAAD7BBB8}" type="pres">
       <dgm:prSet presAssocID="{DBEAD212-D4A9-42EC-94D0-00ACED01E455}" presName="accent_3" presStyleCnt="0"/>
@@ -1211,13 +1185,6 @@
         </dgm:presLayoutVars>
       </dgm:prSet>
       <dgm:spPr/>
-      <dgm:t>
-        <a:bodyPr/>
-        <a:lstStyle/>
-        <a:p>
-          <a:endParaRPr lang="zh-CN" altLang="en-US"/>
-        </a:p>
-      </dgm:t>
     </dgm:pt>
     <dgm:pt modelId="{9A0FCDA9-D7EC-4A13-A53B-EF0F653F7501}" type="pres">
       <dgm:prSet presAssocID="{661EA830-29D5-44A0-8ADF-40FE75EE32DD}" presName="accent_4" presStyleCnt="0"/>
@@ -1230,15 +1197,15 @@
   </dgm:ptLst>
   <dgm:cxnLst>
     <dgm:cxn modelId="{B6C1DD10-6004-4862-8D18-F57910E21533}" srcId="{D9F5CA93-8106-4613-86A3-DAF5DE91A7D4}" destId="{1B81682A-3D5F-4FCA-A08E-995D40EBB29F}" srcOrd="1" destOrd="0" parTransId="{723897F8-2813-4D2B-BE7C-640F16A7D227}" sibTransId="{5B60CAD6-1BBE-49DE-8B5F-A9A314BB0A3D}"/>
-    <dgm:cxn modelId="{AD9CABFA-2DA7-4933-9826-EAFA186911DA}" type="presOf" srcId="{DBEAD212-D4A9-42EC-94D0-00ACED01E455}" destId="{14ABFB8C-AC16-4BBD-8DD8-52BB6AAC9C09}" srcOrd="0" destOrd="0" presId="urn:microsoft.com/office/officeart/2008/layout/VerticalCurvedList"/>
-    <dgm:cxn modelId="{D6105AFA-F72F-4E97-B242-4E7BEA513390}" type="presOf" srcId="{D9F5CA93-8106-4613-86A3-DAF5DE91A7D4}" destId="{431FBD69-9A40-4DE8-80A6-02906134E323}" srcOrd="0" destOrd="0" presId="urn:microsoft.com/office/officeart/2008/layout/VerticalCurvedList"/>
     <dgm:cxn modelId="{5174971B-D265-4E63-98A9-99391DC1F92D}" type="presOf" srcId="{445B64E9-50BA-4434-9878-AF2010CA31DE}" destId="{445D967F-D04F-4D49-B57F-D6D238C1D269}" srcOrd="0" destOrd="0" presId="urn:microsoft.com/office/officeart/2008/layout/VerticalCurvedList"/>
     <dgm:cxn modelId="{85BAB864-A62F-4FB2-A2D6-38BD32A5EB26}" type="presOf" srcId="{CCFC67B1-0A96-4FD4-8F2C-032BF89CB554}" destId="{1C452947-F85C-4310-8A1D-5048660B0173}" srcOrd="0" destOrd="0" presId="urn:microsoft.com/office/officeart/2008/layout/VerticalCurvedList"/>
+    <dgm:cxn modelId="{80F0F74F-34C9-40FA-A24B-E1F62E78848E}" srcId="{D9F5CA93-8106-4613-86A3-DAF5DE91A7D4}" destId="{661EA830-29D5-44A0-8ADF-40FE75EE32DD}" srcOrd="3" destOrd="0" parTransId="{C62B91FA-2D56-440D-9BFE-CDF1CD85AB05}" sibTransId="{AC60DCDF-EC9C-40F1-82FD-1B786945C42E}"/>
+    <dgm:cxn modelId="{5A4E3370-42F6-4E66-ABFF-ED8473AA683D}" srcId="{D9F5CA93-8106-4613-86A3-DAF5DE91A7D4}" destId="{DBEAD212-D4A9-42EC-94D0-00ACED01E455}" srcOrd="2" destOrd="0" parTransId="{A0A32905-85A2-4B02-A0EC-760933BF8E9B}" sibTransId="{3A71475D-98FE-4532-BED3-633BD1FBEE13}"/>
     <dgm:cxn modelId="{0157CD5A-FE2A-4D2A-AA77-430BDFECD777}" srcId="{D9F5CA93-8106-4613-86A3-DAF5DE91A7D4}" destId="{CCFC67B1-0A96-4FD4-8F2C-032BF89CB554}" srcOrd="0" destOrd="0" parTransId="{1B86A334-D3A6-4FCA-A611-DECB2298420F}" sibTransId="{445B64E9-50BA-4434-9878-AF2010CA31DE}"/>
     <dgm:cxn modelId="{A44A7B7D-F958-47E0-9F0F-02B2675DFB60}" type="presOf" srcId="{1B81682A-3D5F-4FCA-A08E-995D40EBB29F}" destId="{5DACDD67-9E84-4855-88A2-26F550234BB4}" srcOrd="0" destOrd="0" presId="urn:microsoft.com/office/officeart/2008/layout/VerticalCurvedList"/>
-    <dgm:cxn modelId="{5A4E3370-42F6-4E66-ABFF-ED8473AA683D}" srcId="{D9F5CA93-8106-4613-86A3-DAF5DE91A7D4}" destId="{DBEAD212-D4A9-42EC-94D0-00ACED01E455}" srcOrd="2" destOrd="0" parTransId="{A0A32905-85A2-4B02-A0EC-760933BF8E9B}" sibTransId="{3A71475D-98FE-4532-BED3-633BD1FBEE13}"/>
-    <dgm:cxn modelId="{80F0F74F-34C9-40FA-A24B-E1F62E78848E}" srcId="{D9F5CA93-8106-4613-86A3-DAF5DE91A7D4}" destId="{661EA830-29D5-44A0-8ADF-40FE75EE32DD}" srcOrd="3" destOrd="0" parTransId="{C62B91FA-2D56-440D-9BFE-CDF1CD85AB05}" sibTransId="{AC60DCDF-EC9C-40F1-82FD-1B786945C42E}"/>
     <dgm:cxn modelId="{E5D53E9C-BAB4-4972-9C07-C3CC2A635E89}" type="presOf" srcId="{661EA830-29D5-44A0-8ADF-40FE75EE32DD}" destId="{8CD877F9-93FD-47D9-BE64-ED9B1742A4E8}" srcOrd="0" destOrd="0" presId="urn:microsoft.com/office/officeart/2008/layout/VerticalCurvedList"/>
+    <dgm:cxn modelId="{D6105AFA-F72F-4E97-B242-4E7BEA513390}" type="presOf" srcId="{D9F5CA93-8106-4613-86A3-DAF5DE91A7D4}" destId="{431FBD69-9A40-4DE8-80A6-02906134E323}" srcOrd="0" destOrd="0" presId="urn:microsoft.com/office/officeart/2008/layout/VerticalCurvedList"/>
+    <dgm:cxn modelId="{AD9CABFA-2DA7-4933-9826-EAFA186911DA}" type="presOf" srcId="{DBEAD212-D4A9-42EC-94D0-00ACED01E455}" destId="{14ABFB8C-AC16-4BBD-8DD8-52BB6AAC9C09}" srcOrd="0" destOrd="0" presId="urn:microsoft.com/office/officeart/2008/layout/VerticalCurvedList"/>
     <dgm:cxn modelId="{FB3FE6BB-F91B-4C6D-A90C-B50DC9BA60A3}" type="presParOf" srcId="{431FBD69-9A40-4DE8-80A6-02906134E323}" destId="{43DFDBFF-6833-4AE1-833B-68191B6C2EC7}" srcOrd="0" destOrd="0" presId="urn:microsoft.com/office/officeart/2008/layout/VerticalCurvedList"/>
     <dgm:cxn modelId="{B7908B60-CDCD-428E-85DA-0ACBD3EB4A27}" type="presParOf" srcId="{43DFDBFF-6833-4AE1-833B-68191B6C2EC7}" destId="{F419A140-FF22-4EC7-9803-27C8C40AD8AF}" srcOrd="0" destOrd="0" presId="urn:microsoft.com/office/officeart/2008/layout/VerticalCurvedList"/>
     <dgm:cxn modelId="{EE0220DD-BF0F-4F5E-B04A-9B29A44CBC78}" type="presParOf" srcId="{F419A140-FF22-4EC7-9803-27C8C40AD8AF}" destId="{B39E87EB-4549-4687-B412-85CE7688BD1B}" srcOrd="0" destOrd="0" presId="urn:microsoft.com/office/officeart/2008/layout/VerticalCurvedList"/>
@@ -1375,7 +1342,7 @@
         </a:bodyPr>
         <a:lstStyle/>
         <a:p>
-          <a:pPr lvl="0" algn="l" defTabSz="1778000">
+          <a:pPr marL="0" lvl="0" indent="0" algn="l" defTabSz="1778000">
             <a:lnSpc>
               <a:spcPct val="90000"/>
             </a:lnSpc>
@@ -1385,6 +1352,7 @@
             <a:spcAft>
               <a:spcPct val="35000"/>
             </a:spcAft>
+            <a:buNone/>
           </a:pPr>
           <a:r>
             <a:rPr lang="zh-CN" altLang="en-US" sz="4000" kern="1200" dirty="0"/>
@@ -1503,7 +1471,7 @@
         </a:bodyPr>
         <a:lstStyle/>
         <a:p>
-          <a:pPr lvl="0" algn="l" defTabSz="1778000">
+          <a:pPr marL="0" lvl="0" indent="0" algn="l" defTabSz="1778000">
             <a:lnSpc>
               <a:spcPct val="90000"/>
             </a:lnSpc>
@@ -1513,6 +1481,7 @@
             <a:spcAft>
               <a:spcPct val="35000"/>
             </a:spcAft>
+            <a:buNone/>
           </a:pPr>
           <a:r>
             <a:rPr lang="zh-CN" altLang="en-US" sz="4000" kern="1200" dirty="0"/>
@@ -1631,7 +1600,7 @@
         </a:bodyPr>
         <a:lstStyle/>
         <a:p>
-          <a:pPr lvl="0" algn="l" defTabSz="1778000">
+          <a:pPr marL="0" lvl="0" indent="0" algn="l" defTabSz="1778000">
             <a:lnSpc>
               <a:spcPct val="90000"/>
             </a:lnSpc>
@@ -1641,6 +1610,7 @@
             <a:spcAft>
               <a:spcPct val="35000"/>
             </a:spcAft>
+            <a:buNone/>
           </a:pPr>
           <a:r>
             <a:rPr lang="zh-CN" altLang="en-US" sz="4000" kern="1200" dirty="0"/>
@@ -1759,7 +1729,7 @@
         </a:bodyPr>
         <a:lstStyle/>
         <a:p>
-          <a:pPr lvl="0" algn="l" defTabSz="1778000">
+          <a:pPr marL="0" lvl="0" indent="0" algn="l" defTabSz="1778000">
             <a:lnSpc>
               <a:spcPct val="90000"/>
             </a:lnSpc>
@@ -1769,6 +1739,7 @@
             <a:spcAft>
               <a:spcPct val="35000"/>
             </a:spcAft>
+            <a:buNone/>
           </a:pPr>
           <a:r>
             <a:rPr lang="zh-CN" altLang="en-US" sz="4000" kern="1200" dirty="0"/>
@@ -5564,7 +5535,7 @@
           <a:p>
             <a:fld id="{F0FFF072-75C7-44FC-8C73-D7DEB070128D}" type="datetime1">
               <a:rPr lang="zh-CN" altLang="en-US" smtClean="0"/>
-              <a:t>2022/8/5</a:t>
+              <a:t>2023/8/16</a:t>
             </a:fld>
             <a:endParaRPr lang="en-US" dirty="0"/>
           </a:p>
@@ -5816,7 +5787,7 @@
           <a:p>
             <a:fld id="{B957BDC0-C26A-4ED8-9FCC-9BB02853F167}" type="datetime1">
               <a:rPr lang="zh-CN" altLang="en-US" smtClean="0"/>
-              <a:t>2022/8/5</a:t>
+              <a:t>2023/8/16</a:t>
             </a:fld>
             <a:endParaRPr lang="en-US" dirty="0"/>
           </a:p>
@@ -6132,7 +6103,7 @@
           <a:p>
             <a:fld id="{B957BDC0-C26A-4ED8-9FCC-9BB02853F167}" type="datetime1">
               <a:rPr lang="zh-CN" altLang="en-US" smtClean="0"/>
-              <a:t>2022/8/5</a:t>
+              <a:t>2023/8/16</a:t>
             </a:fld>
             <a:endParaRPr lang="en-US" dirty="0"/>
           </a:p>
@@ -6475,7 +6446,7 @@
           <a:p>
             <a:fld id="{B957BDC0-C26A-4ED8-9FCC-9BB02853F167}" type="datetime1">
               <a:rPr lang="zh-CN" altLang="en-US" smtClean="0"/>
-              <a:t>2022/8/5</a:t>
+              <a:t>2023/8/16</a:t>
             </a:fld>
             <a:endParaRPr lang="en-US" dirty="0"/>
           </a:p>
@@ -6791,7 +6762,7 @@
           <a:p>
             <a:fld id="{B957BDC0-C26A-4ED8-9FCC-9BB02853F167}" type="datetime1">
               <a:rPr lang="zh-CN" altLang="en-US" smtClean="0"/>
-              <a:t>2022/8/5</a:t>
+              <a:t>2023/8/16</a:t>
             </a:fld>
             <a:endParaRPr lang="en-US" dirty="0"/>
           </a:p>
@@ -7186,7 +7157,7 @@
           <a:p>
             <a:fld id="{B957BDC0-C26A-4ED8-9FCC-9BB02853F167}" type="datetime1">
               <a:rPr lang="zh-CN" altLang="en-US" smtClean="0"/>
-              <a:t>2022/8/5</a:t>
+              <a:t>2023/8/16</a:t>
             </a:fld>
             <a:endParaRPr lang="en-US" dirty="0"/>
           </a:p>
@@ -7359,7 +7330,7 @@
             <a:pPr rtl="0"/>
             <a:fld id="{F1116B61-8AFC-4CC4-AF95-DF5E2C758192}" type="datetime1">
               <a:rPr lang="zh-CN" altLang="en-US" smtClean="0"/>
-              <a:t>2022/8/5</a:t>
+              <a:t>2023/8/16</a:t>
             </a:fld>
             <a:endParaRPr lang="en-US"/>
           </a:p>
@@ -7541,7 +7512,7 @@
           <a:p>
             <a:fld id="{B957BDC0-C26A-4ED8-9FCC-9BB02853F167}" type="datetime1">
               <a:rPr lang="zh-CN" altLang="en-US" smtClean="0"/>
-              <a:t>2022/8/5</a:t>
+              <a:t>2023/8/16</a:t>
             </a:fld>
             <a:endParaRPr lang="en-US" dirty="0"/>
           </a:p>
@@ -7720,7 +7691,7 @@
             <a:pPr rtl="0"/>
             <a:fld id="{1E355DD5-1720-40A4-B380-20F1C19FAD03}" type="datetime1">
               <a:rPr lang="zh-CN" altLang="en-US" smtClean="0"/>
-              <a:t>2022/8/5</a:t>
+              <a:t>2023/8/16</a:t>
             </a:fld>
             <a:endParaRPr lang="en-US"/>
           </a:p>
@@ -7969,7 +7940,7 @@
           <a:p>
             <a:fld id="{2B93C77E-1F96-468D-8A96-547A00E1EDB4}" type="datetime1">
               <a:rPr lang="en-US" altLang="zh-CN" smtClean="0"/>
-              <a:t>8/5/2022</a:t>
+              <a:t>8/16/2023</a:t>
             </a:fld>
             <a:endParaRPr lang="zh-CN" altLang="en-US" dirty="0"/>
           </a:p>
@@ -8203,7 +8174,7 @@
             <a:pPr rtl="0"/>
             <a:fld id="{69DB2AB6-BB70-4453-B002-DB059848ADBB}" type="datetime1">
               <a:rPr lang="zh-CN" altLang="en-US" smtClean="0"/>
-              <a:t>2022/8/5</a:t>
+              <a:t>2023/8/16</a:t>
             </a:fld>
             <a:endParaRPr lang="en-US"/>
           </a:p>
@@ -8580,7 +8551,7 @@
             <a:pPr rtl="0"/>
             <a:fld id="{EE3B7C30-D6FF-4D1D-BAA3-30D9C62DC2C2}" type="datetime1">
               <a:rPr lang="zh-CN" altLang="en-US" smtClean="0"/>
-              <a:t>2022/8/5</a:t>
+              <a:t>2023/8/16</a:t>
             </a:fld>
             <a:endParaRPr lang="en-US"/>
           </a:p>
@@ -8706,7 +8677,7 @@
             <a:pPr rtl="0"/>
             <a:fld id="{DB1A083C-3DF1-4D7D-B8C7-92909521157B}" type="datetime1">
               <a:rPr lang="zh-CN" altLang="en-US" smtClean="0"/>
-              <a:t>2022/8/5</a:t>
+              <a:t>2023/8/16</a:t>
             </a:fld>
             <a:endParaRPr lang="en-US"/>
           </a:p>
@@ -8804,7 +8775,7 @@
             <a:pPr rtl="0"/>
             <a:fld id="{6D40E74A-E5D1-48E6-803A-2F186739B7B8}" type="datetime1">
               <a:rPr lang="zh-CN" altLang="en-US" smtClean="0"/>
-              <a:t>2022/8/5</a:t>
+              <a:t>2023/8/16</a:t>
             </a:fld>
             <a:endParaRPr lang="en-US"/>
           </a:p>
@@ -9061,7 +9032,7 @@
           <a:p>
             <a:fld id="{B957BDC0-C26A-4ED8-9FCC-9BB02853F167}" type="datetime1">
               <a:rPr lang="zh-CN" altLang="en-US" smtClean="0"/>
-              <a:t>2022/8/5</a:t>
+              <a:t>2023/8/16</a:t>
             </a:fld>
             <a:endParaRPr lang="en-US" dirty="0"/>
           </a:p>
@@ -9326,7 +9297,7 @@
           <a:p>
             <a:fld id="{B957BDC0-C26A-4ED8-9FCC-9BB02853F167}" type="datetime1">
               <a:rPr lang="zh-CN" altLang="en-US" smtClean="0"/>
-              <a:t>2022/8/5</a:t>
+              <a:t>2023/8/16</a:t>
             </a:fld>
             <a:endParaRPr lang="en-US" dirty="0"/>
           </a:p>
@@ -10071,7 +10042,7 @@
           <a:p>
             <a:fld id="{B957BDC0-C26A-4ED8-9FCC-9BB02853F167}" type="datetime1">
               <a:rPr lang="zh-CN" altLang="en-US" smtClean="0"/>
-              <a:t>2022/8/5</a:t>
+              <a:t>2023/8/16</a:t>
             </a:fld>
             <a:endParaRPr lang="en-US" dirty="0"/>
           </a:p>
@@ -10602,7 +10573,7 @@
           <p:cNvPr id="3" name="文本框 2">
             <a:extLst>
               <a:ext uri="{FF2B5EF4-FFF2-40B4-BE49-F238E27FC236}">
-                <a16:creationId xmlns:a16="http://schemas.microsoft.com/office/drawing/2014/main" xmlns="" id="{8422DD9F-952C-4C73-BDD8-338E4D869514}"/>
+                <a16:creationId xmlns:a16="http://schemas.microsoft.com/office/drawing/2014/main" id="{8422DD9F-952C-4C73-BDD8-338E4D869514}"/>
               </a:ext>
             </a:extLst>
           </p:cNvPr>
@@ -10653,7 +10624,7 @@
           <p:cNvPr id="6" name="副标题 2">
             <a:extLst>
               <a:ext uri="{FF2B5EF4-FFF2-40B4-BE49-F238E27FC236}">
-                <a16:creationId xmlns:a16="http://schemas.microsoft.com/office/drawing/2014/main" xmlns="" id="{5FCC267F-285E-4231-8191-C4DD267B0336}"/>
+                <a16:creationId xmlns:a16="http://schemas.microsoft.com/office/drawing/2014/main" id="{5FCC267F-285E-4231-8191-C4DD267B0336}"/>
               </a:ext>
             </a:extLst>
           </p:cNvPr>
@@ -10946,7 +10917,7 @@
           <p:cNvPr id="7" name="矩形 6">
             <a:extLst>
               <a:ext uri="{FF2B5EF4-FFF2-40B4-BE49-F238E27FC236}">
-                <a16:creationId xmlns:a16="http://schemas.microsoft.com/office/drawing/2014/main" xmlns="" id="{67AC4BB6-83E3-4803-8747-B963C819368E}"/>
+                <a16:creationId xmlns:a16="http://schemas.microsoft.com/office/drawing/2014/main" id="{67AC4BB6-83E3-4803-8747-B963C819368E}"/>
               </a:ext>
             </a:extLst>
           </p:cNvPr>
@@ -11024,7 +10995,7 @@
           <p:cNvPr id="5" name="矩形 4">
             <a:extLst>
               <a:ext uri="{FF2B5EF4-FFF2-40B4-BE49-F238E27FC236}">
-                <a16:creationId xmlns:a16="http://schemas.microsoft.com/office/drawing/2014/main" xmlns="" id="{039A504D-9DC2-4A74-8293-0AA6AA994701}"/>
+                <a16:creationId xmlns:a16="http://schemas.microsoft.com/office/drawing/2014/main" id="{039A504D-9DC2-4A74-8293-0AA6AA994701}"/>
               </a:ext>
             </a:extLst>
           </p:cNvPr>
@@ -11110,7 +11081,7 @@
           <p:cNvPr id="7" name="图形 6" descr="指向右边的反手食指">
             <a:extLst>
               <a:ext uri="{FF2B5EF4-FFF2-40B4-BE49-F238E27FC236}">
-                <a16:creationId xmlns:a16="http://schemas.microsoft.com/office/drawing/2014/main" xmlns="" id="{DF92645B-A9DF-4612-8020-CE2BB661ED2F}"/>
+                <a16:creationId xmlns:a16="http://schemas.microsoft.com/office/drawing/2014/main" id="{DF92645B-A9DF-4612-8020-CE2BB661ED2F}"/>
               </a:ext>
             </a:extLst>
           </p:cNvPr>
@@ -11126,7 +11097,7 @@
                 <a14:useLocalDpi xmlns:a14="http://schemas.microsoft.com/office/drawing/2010/main" val="0"/>
               </a:ext>
               <a:ext uri="{96DAC541-7B7A-43D3-8B79-37D633B846F1}">
-                <asvg:svgBlip xmlns:asvg="http://schemas.microsoft.com/office/drawing/2016/SVG/main" xmlns="" r:embed="rId3"/>
+                <asvg:svgBlip xmlns:asvg="http://schemas.microsoft.com/office/drawing/2016/SVG/main" r:embed="rId3"/>
               </a:ext>
             </a:extLst>
           </a:blip>
@@ -11149,7 +11120,7 @@
           <p:cNvPr id="9" name="图片 8">
             <a:extLst>
               <a:ext uri="{FF2B5EF4-FFF2-40B4-BE49-F238E27FC236}">
-                <a16:creationId xmlns:a16="http://schemas.microsoft.com/office/drawing/2014/main" xmlns="" id="{2C3ECA0C-F448-4E00-8065-8E4F05BBEE99}"/>
+                <a16:creationId xmlns:a16="http://schemas.microsoft.com/office/drawing/2014/main" id="{2C3ECA0C-F448-4E00-8065-8E4F05BBEE99}"/>
               </a:ext>
             </a:extLst>
           </p:cNvPr>
@@ -11185,7 +11156,7 @@
           <p:cNvPr id="11" name="图片 10">
             <a:extLst>
               <a:ext uri="{FF2B5EF4-FFF2-40B4-BE49-F238E27FC236}">
-                <a16:creationId xmlns:a16="http://schemas.microsoft.com/office/drawing/2014/main" xmlns="" id="{801370CA-F3B9-444F-95CA-D5B98ED672F9}"/>
+                <a16:creationId xmlns:a16="http://schemas.microsoft.com/office/drawing/2014/main" id="{801370CA-F3B9-444F-95CA-D5B98ED672F9}"/>
               </a:ext>
             </a:extLst>
           </p:cNvPr>
@@ -11251,7 +11222,7 @@
           <p:cNvPr id="2" name="标题 1">
             <a:extLst>
               <a:ext uri="{FF2B5EF4-FFF2-40B4-BE49-F238E27FC236}">
-                <a16:creationId xmlns:a16="http://schemas.microsoft.com/office/drawing/2014/main" xmlns="" id="{21773CAC-5FD5-429E-B689-71E9BE0A40A2}"/>
+                <a16:creationId xmlns:a16="http://schemas.microsoft.com/office/drawing/2014/main" id="{21773CAC-5FD5-429E-B689-71E9BE0A40A2}"/>
               </a:ext>
             </a:extLst>
           </p:cNvPr>
@@ -11292,7 +11263,7 @@
           <p:cNvPr id="10" name="内容占位符 9" descr="热气球">
             <a:extLst>
               <a:ext uri="{FF2B5EF4-FFF2-40B4-BE49-F238E27FC236}">
-                <a16:creationId xmlns:a16="http://schemas.microsoft.com/office/drawing/2014/main" xmlns="" id="{7080D5A5-5F6A-49FC-B362-D90FF1494661}"/>
+                <a16:creationId xmlns:a16="http://schemas.microsoft.com/office/drawing/2014/main" id="{7080D5A5-5F6A-49FC-B362-D90FF1494661}"/>
               </a:ext>
             </a:extLst>
           </p:cNvPr>
@@ -11310,7 +11281,7 @@
                 <a14:useLocalDpi xmlns:a14="http://schemas.microsoft.com/office/drawing/2010/main" val="0"/>
               </a:ext>
               <a:ext uri="{96DAC541-7B7A-43D3-8B79-37D633B846F1}">
-                <asvg:svgBlip xmlns:asvg="http://schemas.microsoft.com/office/drawing/2016/SVG/main" xmlns="" r:embed="rId3"/>
+                <asvg:svgBlip xmlns:asvg="http://schemas.microsoft.com/office/drawing/2016/SVG/main" r:embed="rId3"/>
               </a:ext>
             </a:extLst>
           </a:blip>
@@ -11330,7 +11301,7 @@
           <p:cNvPr id="11" name="矩形 10">
             <a:extLst>
               <a:ext uri="{FF2B5EF4-FFF2-40B4-BE49-F238E27FC236}">
-                <a16:creationId xmlns:a16="http://schemas.microsoft.com/office/drawing/2014/main" xmlns="" id="{F69C5AD4-FE80-4C3D-992A-32CCBE3D4516}"/>
+                <a16:creationId xmlns:a16="http://schemas.microsoft.com/office/drawing/2014/main" id="{F69C5AD4-FE80-4C3D-992A-32CCBE3D4516}"/>
               </a:ext>
             </a:extLst>
           </p:cNvPr>
@@ -11394,7 +11365,7 @@
           <p:cNvPr id="41" name="文本框 40">
             <a:extLst>
               <a:ext uri="{FF2B5EF4-FFF2-40B4-BE49-F238E27FC236}">
-                <a16:creationId xmlns:a16="http://schemas.microsoft.com/office/drawing/2014/main" xmlns="" id="{BE5AD4D2-85DD-638A-3AD8-37F485D81B51}"/>
+                <a16:creationId xmlns:a16="http://schemas.microsoft.com/office/drawing/2014/main" id="{BE5AD4D2-85DD-638A-3AD8-37F485D81B51}"/>
               </a:ext>
             </a:extLst>
           </p:cNvPr>
@@ -11467,7 +11438,7 @@
           <p:cNvPr id="6" name="矩形 5">
             <a:extLst>
               <a:ext uri="{FF2B5EF4-FFF2-40B4-BE49-F238E27FC236}">
-                <a16:creationId xmlns:a16="http://schemas.microsoft.com/office/drawing/2014/main" xmlns="" id="{B93C6683-CEE6-5C3F-39B4-7D30D459F0CD}"/>
+                <a16:creationId xmlns:a16="http://schemas.microsoft.com/office/drawing/2014/main" id="{B93C6683-CEE6-5C3F-39B4-7D30D459F0CD}"/>
               </a:ext>
             </a:extLst>
           </p:cNvPr>
@@ -11547,7 +11518,7 @@
           <p:cNvPr id="2" name="标题 1">
             <a:extLst>
               <a:ext uri="{FF2B5EF4-FFF2-40B4-BE49-F238E27FC236}">
-                <a16:creationId xmlns:a16="http://schemas.microsoft.com/office/drawing/2014/main" xmlns="" id="{21773CAC-5FD5-429E-B689-71E9BE0A40A2}"/>
+                <a16:creationId xmlns:a16="http://schemas.microsoft.com/office/drawing/2014/main" id="{21773CAC-5FD5-429E-B689-71E9BE0A40A2}"/>
               </a:ext>
             </a:extLst>
           </p:cNvPr>
@@ -11588,7 +11559,7 @@
           <p:cNvPr id="10" name="内容占位符 9" descr="热气球">
             <a:extLst>
               <a:ext uri="{FF2B5EF4-FFF2-40B4-BE49-F238E27FC236}">
-                <a16:creationId xmlns:a16="http://schemas.microsoft.com/office/drawing/2014/main" xmlns="" id="{7080D5A5-5F6A-49FC-B362-D90FF1494661}"/>
+                <a16:creationId xmlns:a16="http://schemas.microsoft.com/office/drawing/2014/main" id="{7080D5A5-5F6A-49FC-B362-D90FF1494661}"/>
               </a:ext>
             </a:extLst>
           </p:cNvPr>
@@ -11606,7 +11577,7 @@
                 <a14:useLocalDpi xmlns:a14="http://schemas.microsoft.com/office/drawing/2010/main" val="0"/>
               </a:ext>
               <a:ext uri="{96DAC541-7B7A-43D3-8B79-37D633B846F1}">
-                <asvg:svgBlip xmlns:asvg="http://schemas.microsoft.com/office/drawing/2016/SVG/main" xmlns="" r:embed="rId3"/>
+                <asvg:svgBlip xmlns:asvg="http://schemas.microsoft.com/office/drawing/2016/SVG/main" r:embed="rId3"/>
               </a:ext>
             </a:extLst>
           </a:blip>
@@ -11626,7 +11597,7 @@
           <p:cNvPr id="11" name="矩形 10">
             <a:extLst>
               <a:ext uri="{FF2B5EF4-FFF2-40B4-BE49-F238E27FC236}">
-                <a16:creationId xmlns:a16="http://schemas.microsoft.com/office/drawing/2014/main" xmlns="" id="{F69C5AD4-FE80-4C3D-992A-32CCBE3D4516}"/>
+                <a16:creationId xmlns:a16="http://schemas.microsoft.com/office/drawing/2014/main" id="{F69C5AD4-FE80-4C3D-992A-32CCBE3D4516}"/>
               </a:ext>
             </a:extLst>
           </p:cNvPr>
@@ -11690,7 +11661,7 @@
           <p:cNvPr id="8" name="文本框 7">
             <a:extLst>
               <a:ext uri="{FF2B5EF4-FFF2-40B4-BE49-F238E27FC236}">
-                <a16:creationId xmlns:a16="http://schemas.microsoft.com/office/drawing/2014/main" xmlns="" id="{E0F369BB-31B8-254A-F248-D2311C5C164E}"/>
+                <a16:creationId xmlns:a16="http://schemas.microsoft.com/office/drawing/2014/main" id="{E0F369BB-31B8-254A-F248-D2311C5C164E}"/>
               </a:ext>
             </a:extLst>
           </p:cNvPr>
@@ -11811,7 +11782,7 @@
           <p:cNvPr id="2" name="标题 1">
             <a:extLst>
               <a:ext uri="{FF2B5EF4-FFF2-40B4-BE49-F238E27FC236}">
-                <a16:creationId xmlns:a16="http://schemas.microsoft.com/office/drawing/2014/main" xmlns="" id="{21773CAC-5FD5-429E-B689-71E9BE0A40A2}"/>
+                <a16:creationId xmlns:a16="http://schemas.microsoft.com/office/drawing/2014/main" id="{21773CAC-5FD5-429E-B689-71E9BE0A40A2}"/>
               </a:ext>
             </a:extLst>
           </p:cNvPr>
@@ -11852,7 +11823,7 @@
           <p:cNvPr id="10" name="内容占位符 9" descr="热气球">
             <a:extLst>
               <a:ext uri="{FF2B5EF4-FFF2-40B4-BE49-F238E27FC236}">
-                <a16:creationId xmlns:a16="http://schemas.microsoft.com/office/drawing/2014/main" xmlns="" id="{7080D5A5-5F6A-49FC-B362-D90FF1494661}"/>
+                <a16:creationId xmlns:a16="http://schemas.microsoft.com/office/drawing/2014/main" id="{7080D5A5-5F6A-49FC-B362-D90FF1494661}"/>
               </a:ext>
             </a:extLst>
           </p:cNvPr>
@@ -11870,7 +11841,7 @@
                 <a14:useLocalDpi xmlns:a14="http://schemas.microsoft.com/office/drawing/2010/main" val="0"/>
               </a:ext>
               <a:ext uri="{96DAC541-7B7A-43D3-8B79-37D633B846F1}">
-                <asvg:svgBlip xmlns:asvg="http://schemas.microsoft.com/office/drawing/2016/SVG/main" xmlns="" r:embed="rId3"/>
+                <asvg:svgBlip xmlns:asvg="http://schemas.microsoft.com/office/drawing/2016/SVG/main" r:embed="rId3"/>
               </a:ext>
             </a:extLst>
           </a:blip>
@@ -11890,7 +11861,7 @@
           <p:cNvPr id="11" name="矩形 10">
             <a:extLst>
               <a:ext uri="{FF2B5EF4-FFF2-40B4-BE49-F238E27FC236}">
-                <a16:creationId xmlns:a16="http://schemas.microsoft.com/office/drawing/2014/main" xmlns="" id="{F69C5AD4-FE80-4C3D-992A-32CCBE3D4516}"/>
+                <a16:creationId xmlns:a16="http://schemas.microsoft.com/office/drawing/2014/main" id="{F69C5AD4-FE80-4C3D-992A-32CCBE3D4516}"/>
               </a:ext>
             </a:extLst>
           </p:cNvPr>
@@ -11954,7 +11925,7 @@
           <p:cNvPr id="6" name="图片 5">
             <a:extLst>
               <a:ext uri="{FF2B5EF4-FFF2-40B4-BE49-F238E27FC236}">
-                <a16:creationId xmlns:a16="http://schemas.microsoft.com/office/drawing/2014/main" xmlns="" id="{CED1DDAD-45A2-CFC5-D95B-CBF02E72BDA0}"/>
+                <a16:creationId xmlns:a16="http://schemas.microsoft.com/office/drawing/2014/main" id="{CED1DDAD-45A2-CFC5-D95B-CBF02E72BDA0}"/>
               </a:ext>
             </a:extLst>
           </p:cNvPr>
@@ -12014,7 +11985,7 @@
           <p:cNvPr id="2" name="标题 1">
             <a:extLst>
               <a:ext uri="{FF2B5EF4-FFF2-40B4-BE49-F238E27FC236}">
-                <a16:creationId xmlns:a16="http://schemas.microsoft.com/office/drawing/2014/main" xmlns="" id="{21773CAC-5FD5-429E-B689-71E9BE0A40A2}"/>
+                <a16:creationId xmlns:a16="http://schemas.microsoft.com/office/drawing/2014/main" id="{21773CAC-5FD5-429E-B689-71E9BE0A40A2}"/>
               </a:ext>
             </a:extLst>
           </p:cNvPr>
@@ -12055,7 +12026,7 @@
           <p:cNvPr id="10" name="内容占位符 9" descr="热气球">
             <a:extLst>
               <a:ext uri="{FF2B5EF4-FFF2-40B4-BE49-F238E27FC236}">
-                <a16:creationId xmlns:a16="http://schemas.microsoft.com/office/drawing/2014/main" xmlns="" id="{7080D5A5-5F6A-49FC-B362-D90FF1494661}"/>
+                <a16:creationId xmlns:a16="http://schemas.microsoft.com/office/drawing/2014/main" id="{7080D5A5-5F6A-49FC-B362-D90FF1494661}"/>
               </a:ext>
             </a:extLst>
           </p:cNvPr>
@@ -12073,7 +12044,7 @@
                 <a14:useLocalDpi xmlns:a14="http://schemas.microsoft.com/office/drawing/2010/main" val="0"/>
               </a:ext>
               <a:ext uri="{96DAC541-7B7A-43D3-8B79-37D633B846F1}">
-                <asvg:svgBlip xmlns:asvg="http://schemas.microsoft.com/office/drawing/2016/SVG/main" xmlns="" r:embed="rId3"/>
+                <asvg:svgBlip xmlns:asvg="http://schemas.microsoft.com/office/drawing/2016/SVG/main" r:embed="rId3"/>
               </a:ext>
             </a:extLst>
           </a:blip>
@@ -12093,7 +12064,7 @@
           <p:cNvPr id="11" name="矩形 10">
             <a:extLst>
               <a:ext uri="{FF2B5EF4-FFF2-40B4-BE49-F238E27FC236}">
-                <a16:creationId xmlns:a16="http://schemas.microsoft.com/office/drawing/2014/main" xmlns="" id="{F69C5AD4-FE80-4C3D-992A-32CCBE3D4516}"/>
+                <a16:creationId xmlns:a16="http://schemas.microsoft.com/office/drawing/2014/main" id="{F69C5AD4-FE80-4C3D-992A-32CCBE3D4516}"/>
               </a:ext>
             </a:extLst>
           </p:cNvPr>
@@ -12157,7 +12128,7 @@
           <p:cNvPr id="4" name="图片 3">
             <a:extLst>
               <a:ext uri="{FF2B5EF4-FFF2-40B4-BE49-F238E27FC236}">
-                <a16:creationId xmlns:a16="http://schemas.microsoft.com/office/drawing/2014/main" xmlns="" id="{C3E9B63C-B306-54BF-CCB0-0824DFF9AA8A}"/>
+                <a16:creationId xmlns:a16="http://schemas.microsoft.com/office/drawing/2014/main" id="{C3E9B63C-B306-54BF-CCB0-0824DFF9AA8A}"/>
               </a:ext>
             </a:extLst>
           </p:cNvPr>
@@ -12217,7 +12188,7 @@
           <p:cNvPr id="2" name="标题 1">
             <a:extLst>
               <a:ext uri="{FF2B5EF4-FFF2-40B4-BE49-F238E27FC236}">
-                <a16:creationId xmlns:a16="http://schemas.microsoft.com/office/drawing/2014/main" xmlns="" id="{21773CAC-5FD5-429E-B689-71E9BE0A40A2}"/>
+                <a16:creationId xmlns:a16="http://schemas.microsoft.com/office/drawing/2014/main" id="{21773CAC-5FD5-429E-B689-71E9BE0A40A2}"/>
               </a:ext>
             </a:extLst>
           </p:cNvPr>
@@ -12258,7 +12229,7 @@
           <p:cNvPr id="10" name="内容占位符 9" descr="热气球">
             <a:extLst>
               <a:ext uri="{FF2B5EF4-FFF2-40B4-BE49-F238E27FC236}">
-                <a16:creationId xmlns:a16="http://schemas.microsoft.com/office/drawing/2014/main" xmlns="" id="{7080D5A5-5F6A-49FC-B362-D90FF1494661}"/>
+                <a16:creationId xmlns:a16="http://schemas.microsoft.com/office/drawing/2014/main" id="{7080D5A5-5F6A-49FC-B362-D90FF1494661}"/>
               </a:ext>
             </a:extLst>
           </p:cNvPr>
@@ -12276,7 +12247,7 @@
                 <a14:useLocalDpi xmlns:a14="http://schemas.microsoft.com/office/drawing/2010/main" val="0"/>
               </a:ext>
               <a:ext uri="{96DAC541-7B7A-43D3-8B79-37D633B846F1}">
-                <asvg:svgBlip xmlns:asvg="http://schemas.microsoft.com/office/drawing/2016/SVG/main" xmlns="" r:embed="rId4"/>
+                <asvg:svgBlip xmlns:asvg="http://schemas.microsoft.com/office/drawing/2016/SVG/main" r:embed="rId4"/>
               </a:ext>
             </a:extLst>
           </a:blip>
@@ -12296,7 +12267,7 @@
           <p:cNvPr id="11" name="矩形 10">
             <a:extLst>
               <a:ext uri="{FF2B5EF4-FFF2-40B4-BE49-F238E27FC236}">
-                <a16:creationId xmlns:a16="http://schemas.microsoft.com/office/drawing/2014/main" xmlns="" id="{F69C5AD4-FE80-4C3D-992A-32CCBE3D4516}"/>
+                <a16:creationId xmlns:a16="http://schemas.microsoft.com/office/drawing/2014/main" id="{F69C5AD4-FE80-4C3D-992A-32CCBE3D4516}"/>
               </a:ext>
             </a:extLst>
           </p:cNvPr>
@@ -12360,7 +12331,7 @@
           <p:cNvPr id="4" name="图片 3">
             <a:extLst>
               <a:ext uri="{FF2B5EF4-FFF2-40B4-BE49-F238E27FC236}">
-                <a16:creationId xmlns:a16="http://schemas.microsoft.com/office/drawing/2014/main" xmlns="" id="{7DB9AA33-054F-E36E-CCED-837E605AA6E6}"/>
+                <a16:creationId xmlns:a16="http://schemas.microsoft.com/office/drawing/2014/main" id="{7DB9AA33-054F-E36E-CCED-837E605AA6E6}"/>
               </a:ext>
             </a:extLst>
           </p:cNvPr>
@@ -12420,7 +12391,7 @@
           <p:cNvPr id="5" name="矩形 4">
             <a:extLst>
               <a:ext uri="{FF2B5EF4-FFF2-40B4-BE49-F238E27FC236}">
-                <a16:creationId xmlns:a16="http://schemas.microsoft.com/office/drawing/2014/main" xmlns="" id="{039A504D-9DC2-4A74-8293-0AA6AA994701}"/>
+                <a16:creationId xmlns:a16="http://schemas.microsoft.com/office/drawing/2014/main" id="{039A504D-9DC2-4A74-8293-0AA6AA994701}"/>
               </a:ext>
             </a:extLst>
           </p:cNvPr>
@@ -12506,7 +12477,7 @@
           <p:cNvPr id="7" name="图形 6" descr="指向右边的反手食指">
             <a:extLst>
               <a:ext uri="{FF2B5EF4-FFF2-40B4-BE49-F238E27FC236}">
-                <a16:creationId xmlns:a16="http://schemas.microsoft.com/office/drawing/2014/main" xmlns="" id="{DF92645B-A9DF-4612-8020-CE2BB661ED2F}"/>
+                <a16:creationId xmlns:a16="http://schemas.microsoft.com/office/drawing/2014/main" id="{DF92645B-A9DF-4612-8020-CE2BB661ED2F}"/>
               </a:ext>
             </a:extLst>
           </p:cNvPr>
@@ -12522,7 +12493,7 @@
                 <a14:useLocalDpi xmlns:a14="http://schemas.microsoft.com/office/drawing/2010/main" val="0"/>
               </a:ext>
               <a:ext uri="{96DAC541-7B7A-43D3-8B79-37D633B846F1}">
-                <asvg:svgBlip xmlns:asvg="http://schemas.microsoft.com/office/drawing/2016/SVG/main" xmlns="" r:embed="rId3"/>
+                <asvg:svgBlip xmlns:asvg="http://schemas.microsoft.com/office/drawing/2016/SVG/main" r:embed="rId3"/>
               </a:ext>
             </a:extLst>
           </a:blip>
@@ -12545,7 +12516,7 @@
           <p:cNvPr id="9" name="图片 8">
             <a:extLst>
               <a:ext uri="{FF2B5EF4-FFF2-40B4-BE49-F238E27FC236}">
-                <a16:creationId xmlns:a16="http://schemas.microsoft.com/office/drawing/2014/main" xmlns="" id="{2C3ECA0C-F448-4E00-8065-8E4F05BBEE99}"/>
+                <a16:creationId xmlns:a16="http://schemas.microsoft.com/office/drawing/2014/main" id="{2C3ECA0C-F448-4E00-8065-8E4F05BBEE99}"/>
               </a:ext>
             </a:extLst>
           </p:cNvPr>
@@ -12581,7 +12552,7 @@
           <p:cNvPr id="11" name="图片 10">
             <a:extLst>
               <a:ext uri="{FF2B5EF4-FFF2-40B4-BE49-F238E27FC236}">
-                <a16:creationId xmlns:a16="http://schemas.microsoft.com/office/drawing/2014/main" xmlns="" id="{801370CA-F3B9-444F-95CA-D5B98ED672F9}"/>
+                <a16:creationId xmlns:a16="http://schemas.microsoft.com/office/drawing/2014/main" id="{801370CA-F3B9-444F-95CA-D5B98ED672F9}"/>
               </a:ext>
             </a:extLst>
           </p:cNvPr>
@@ -12647,7 +12618,7 @@
           <p:cNvPr id="2" name="标题 1">
             <a:extLst>
               <a:ext uri="{FF2B5EF4-FFF2-40B4-BE49-F238E27FC236}">
-                <a16:creationId xmlns:a16="http://schemas.microsoft.com/office/drawing/2014/main" xmlns="" id="{21773CAC-5FD5-429E-B689-71E9BE0A40A2}"/>
+                <a16:creationId xmlns:a16="http://schemas.microsoft.com/office/drawing/2014/main" id="{21773CAC-5FD5-429E-B689-71E9BE0A40A2}"/>
               </a:ext>
             </a:extLst>
           </p:cNvPr>
@@ -12688,7 +12659,7 @@
           <p:cNvPr id="10" name="内容占位符 9" descr="热气球">
             <a:extLst>
               <a:ext uri="{FF2B5EF4-FFF2-40B4-BE49-F238E27FC236}">
-                <a16:creationId xmlns:a16="http://schemas.microsoft.com/office/drawing/2014/main" xmlns="" id="{7080D5A5-5F6A-49FC-B362-D90FF1494661}"/>
+                <a16:creationId xmlns:a16="http://schemas.microsoft.com/office/drawing/2014/main" id="{7080D5A5-5F6A-49FC-B362-D90FF1494661}"/>
               </a:ext>
             </a:extLst>
           </p:cNvPr>
@@ -12706,7 +12677,7 @@
                 <a14:useLocalDpi xmlns:a14="http://schemas.microsoft.com/office/drawing/2010/main" val="0"/>
               </a:ext>
               <a:ext uri="{96DAC541-7B7A-43D3-8B79-37D633B846F1}">
-                <asvg:svgBlip xmlns:asvg="http://schemas.microsoft.com/office/drawing/2016/SVG/main" xmlns="" r:embed="rId3"/>
+                <asvg:svgBlip xmlns:asvg="http://schemas.microsoft.com/office/drawing/2016/SVG/main" r:embed="rId3"/>
               </a:ext>
             </a:extLst>
           </a:blip>
@@ -12726,7 +12697,7 @@
           <p:cNvPr id="11" name="矩形 10">
             <a:extLst>
               <a:ext uri="{FF2B5EF4-FFF2-40B4-BE49-F238E27FC236}">
-                <a16:creationId xmlns:a16="http://schemas.microsoft.com/office/drawing/2014/main" xmlns="" id="{F69C5AD4-FE80-4C3D-992A-32CCBE3D4516}"/>
+                <a16:creationId xmlns:a16="http://schemas.microsoft.com/office/drawing/2014/main" id="{F69C5AD4-FE80-4C3D-992A-32CCBE3D4516}"/>
               </a:ext>
             </a:extLst>
           </p:cNvPr>
@@ -12790,7 +12761,7 @@
           <p:cNvPr id="15" name="文本框 14">
             <a:extLst>
               <a:ext uri="{FF2B5EF4-FFF2-40B4-BE49-F238E27FC236}">
-                <a16:creationId xmlns:a16="http://schemas.microsoft.com/office/drawing/2014/main" xmlns="" id="{8AC81380-EF8E-4135-9E82-08C884222986}"/>
+                <a16:creationId xmlns:a16="http://schemas.microsoft.com/office/drawing/2014/main" id="{8AC81380-EF8E-4135-9E82-08C884222986}"/>
               </a:ext>
             </a:extLst>
           </p:cNvPr>
@@ -12933,7 +12904,7 @@
           <p:cNvPr id="16" name="矩形 15">
             <a:extLst>
               <a:ext uri="{FF2B5EF4-FFF2-40B4-BE49-F238E27FC236}">
-                <a16:creationId xmlns:a16="http://schemas.microsoft.com/office/drawing/2014/main" xmlns="" id="{CC090BFB-8D74-449D-9246-1B7E1C924A9F}"/>
+                <a16:creationId xmlns:a16="http://schemas.microsoft.com/office/drawing/2014/main" id="{CC090BFB-8D74-449D-9246-1B7E1C924A9F}"/>
               </a:ext>
             </a:extLst>
           </p:cNvPr>
@@ -13024,7 +12995,7 @@
           <p:cNvPr id="2" name="标题 1">
             <a:extLst>
               <a:ext uri="{FF2B5EF4-FFF2-40B4-BE49-F238E27FC236}">
-                <a16:creationId xmlns:a16="http://schemas.microsoft.com/office/drawing/2014/main" xmlns="" id="{21773CAC-5FD5-429E-B689-71E9BE0A40A2}"/>
+                <a16:creationId xmlns:a16="http://schemas.microsoft.com/office/drawing/2014/main" id="{21773CAC-5FD5-429E-B689-71E9BE0A40A2}"/>
               </a:ext>
             </a:extLst>
           </p:cNvPr>
@@ -13065,7 +13036,7 @@
           <p:cNvPr id="10" name="内容占位符 9" descr="热气球">
             <a:extLst>
               <a:ext uri="{FF2B5EF4-FFF2-40B4-BE49-F238E27FC236}">
-                <a16:creationId xmlns:a16="http://schemas.microsoft.com/office/drawing/2014/main" xmlns="" id="{7080D5A5-5F6A-49FC-B362-D90FF1494661}"/>
+                <a16:creationId xmlns:a16="http://schemas.microsoft.com/office/drawing/2014/main" id="{7080D5A5-5F6A-49FC-B362-D90FF1494661}"/>
               </a:ext>
             </a:extLst>
           </p:cNvPr>
@@ -13083,7 +13054,7 @@
                 <a14:useLocalDpi xmlns:a14="http://schemas.microsoft.com/office/drawing/2010/main" val="0"/>
               </a:ext>
               <a:ext uri="{96DAC541-7B7A-43D3-8B79-37D633B846F1}">
-                <asvg:svgBlip xmlns:asvg="http://schemas.microsoft.com/office/drawing/2016/SVG/main" xmlns="" r:embed="rId3"/>
+                <asvg:svgBlip xmlns:asvg="http://schemas.microsoft.com/office/drawing/2016/SVG/main" r:embed="rId3"/>
               </a:ext>
             </a:extLst>
           </a:blip>
@@ -13103,7 +13074,7 @@
           <p:cNvPr id="11" name="矩形 10">
             <a:extLst>
               <a:ext uri="{FF2B5EF4-FFF2-40B4-BE49-F238E27FC236}">
-                <a16:creationId xmlns:a16="http://schemas.microsoft.com/office/drawing/2014/main" xmlns="" id="{F69C5AD4-FE80-4C3D-992A-32CCBE3D4516}"/>
+                <a16:creationId xmlns:a16="http://schemas.microsoft.com/office/drawing/2014/main" id="{F69C5AD4-FE80-4C3D-992A-32CCBE3D4516}"/>
               </a:ext>
             </a:extLst>
           </p:cNvPr>
@@ -13167,7 +13138,7 @@
           <p:cNvPr id="5" name="文本框 4">
             <a:extLst>
               <a:ext uri="{FF2B5EF4-FFF2-40B4-BE49-F238E27FC236}">
-                <a16:creationId xmlns:a16="http://schemas.microsoft.com/office/drawing/2014/main" xmlns="" id="{1A4F8CFE-7FD4-004C-7639-7B442FF89DAD}"/>
+                <a16:creationId xmlns:a16="http://schemas.microsoft.com/office/drawing/2014/main" id="{1A4F8CFE-7FD4-004C-7639-7B442FF89DAD}"/>
               </a:ext>
             </a:extLst>
           </p:cNvPr>
@@ -13207,24 +13178,14 @@
             </a:r>
             <a:r>
               <a:rPr lang="zh-CN" altLang="en-US" sz="3600" dirty="0"/>
-              <a:t>要建立一个古城堡，城堡中的路形成一棵树。他要在这棵树的结点上放置最少数目的士兵，使得这些士兵能望到所有的路</a:t>
-            </a:r>
-            <a:r>
-              <a:rPr lang="zh-CN" altLang="en-US" sz="3600" dirty="0" smtClean="0"/>
-              <a:t>。</a:t>
-            </a:r>
-            <a:endParaRPr lang="zh-CN" altLang="en-US" sz="3600" dirty="0"/>
+              <a:t>要建立一个古城堡，城堡中的路形成一棵树。他要在这棵树的结点上放置最少数目的士兵，使得这些士兵能望到所有的路。</a:t>
+            </a:r>
           </a:p>
           <a:p>
             <a:r>
               <a:rPr lang="zh-CN" altLang="en-US" sz="3600" dirty="0"/>
-              <a:t>某个士兵在一个结点上时，与该结点相连的所有边都可以被他望到</a:t>
-            </a:r>
-            <a:r>
-              <a:rPr lang="zh-CN" altLang="en-US" sz="3600" dirty="0" smtClean="0"/>
-              <a:t>。</a:t>
-            </a:r>
-            <a:endParaRPr lang="zh-CN" altLang="en-US" sz="3600" dirty="0"/>
+              <a:t>某个士兵在一个结点上时，与该结点相连的所有边都可以被他望到。</a:t>
+            </a:r>
           </a:p>
           <a:p>
             <a:r>
@@ -13257,7 +13218,7 @@
           <p:cNvPr id="6" name="矩形 5">
             <a:extLst>
               <a:ext uri="{FF2B5EF4-FFF2-40B4-BE49-F238E27FC236}">
-                <a16:creationId xmlns:a16="http://schemas.microsoft.com/office/drawing/2014/main" xmlns="" id="{726C03A3-7737-FEF8-FC16-97A91F2D7003}"/>
+                <a16:creationId xmlns:a16="http://schemas.microsoft.com/office/drawing/2014/main" id="{726C03A3-7737-FEF8-FC16-97A91F2D7003}"/>
               </a:ext>
             </a:extLst>
           </p:cNvPr>
@@ -13337,7 +13298,7 @@
           <p:cNvPr id="2" name="标题 1">
             <a:extLst>
               <a:ext uri="{FF2B5EF4-FFF2-40B4-BE49-F238E27FC236}">
-                <a16:creationId xmlns:a16="http://schemas.microsoft.com/office/drawing/2014/main" xmlns="" id="{21773CAC-5FD5-429E-B689-71E9BE0A40A2}"/>
+                <a16:creationId xmlns:a16="http://schemas.microsoft.com/office/drawing/2014/main" id="{21773CAC-5FD5-429E-B689-71E9BE0A40A2}"/>
               </a:ext>
             </a:extLst>
           </p:cNvPr>
@@ -13378,7 +13339,7 @@
           <p:cNvPr id="10" name="内容占位符 9" descr="热气球">
             <a:extLst>
               <a:ext uri="{FF2B5EF4-FFF2-40B4-BE49-F238E27FC236}">
-                <a16:creationId xmlns:a16="http://schemas.microsoft.com/office/drawing/2014/main" xmlns="" id="{7080D5A5-5F6A-49FC-B362-D90FF1494661}"/>
+                <a16:creationId xmlns:a16="http://schemas.microsoft.com/office/drawing/2014/main" id="{7080D5A5-5F6A-49FC-B362-D90FF1494661}"/>
               </a:ext>
             </a:extLst>
           </p:cNvPr>
@@ -13396,7 +13357,7 @@
                 <a14:useLocalDpi xmlns:a14="http://schemas.microsoft.com/office/drawing/2010/main" val="0"/>
               </a:ext>
               <a:ext uri="{96DAC541-7B7A-43D3-8B79-37D633B846F1}">
-                <asvg:svgBlip xmlns:asvg="http://schemas.microsoft.com/office/drawing/2016/SVG/main" xmlns="" r:embed="rId3"/>
+                <asvg:svgBlip xmlns:asvg="http://schemas.microsoft.com/office/drawing/2016/SVG/main" r:embed="rId3"/>
               </a:ext>
             </a:extLst>
           </a:blip>
@@ -13416,7 +13377,7 @@
           <p:cNvPr id="11" name="矩形 10">
             <a:extLst>
               <a:ext uri="{FF2B5EF4-FFF2-40B4-BE49-F238E27FC236}">
-                <a16:creationId xmlns:a16="http://schemas.microsoft.com/office/drawing/2014/main" xmlns="" id="{F69C5AD4-FE80-4C3D-992A-32CCBE3D4516}"/>
+                <a16:creationId xmlns:a16="http://schemas.microsoft.com/office/drawing/2014/main" id="{F69C5AD4-FE80-4C3D-992A-32CCBE3D4516}"/>
               </a:ext>
             </a:extLst>
           </p:cNvPr>
@@ -13480,7 +13441,7 @@
           <p:cNvPr id="7" name="文本框 6">
             <a:extLst>
               <a:ext uri="{FF2B5EF4-FFF2-40B4-BE49-F238E27FC236}">
-                <a16:creationId xmlns:a16="http://schemas.microsoft.com/office/drawing/2014/main" xmlns="" id="{A979CCBC-E244-4F94-E1F2-1C96D4A8AD8D}"/>
+                <a16:creationId xmlns:a16="http://schemas.microsoft.com/office/drawing/2014/main" id="{A979CCBC-E244-4F94-E1F2-1C96D4A8AD8D}"/>
               </a:ext>
             </a:extLst>
           </p:cNvPr>
@@ -13628,7 +13589,7 @@
           <p:cNvPr id="8" name="矩形 7">
             <a:extLst>
               <a:ext uri="{FF2B5EF4-FFF2-40B4-BE49-F238E27FC236}">
-                <a16:creationId xmlns:a16="http://schemas.microsoft.com/office/drawing/2014/main" xmlns="" id="{DF3D512F-DEAE-69AC-BEF5-24A46EA98109}"/>
+                <a16:creationId xmlns:a16="http://schemas.microsoft.com/office/drawing/2014/main" id="{DF3D512F-DEAE-69AC-BEF5-24A46EA98109}"/>
               </a:ext>
             </a:extLst>
           </p:cNvPr>
@@ -13708,7 +13669,7 @@
           <p:cNvPr id="8" name="图示 7">
             <a:extLst>
               <a:ext uri="{FF2B5EF4-FFF2-40B4-BE49-F238E27FC236}">
-                <a16:creationId xmlns:a16="http://schemas.microsoft.com/office/drawing/2014/main" xmlns="" id="{FD9641C0-94C9-4798-9D5C-9324965F86ED}"/>
+                <a16:creationId xmlns:a16="http://schemas.microsoft.com/office/drawing/2014/main" id="{FD9641C0-94C9-4798-9D5C-9324965F86ED}"/>
               </a:ext>
             </a:extLst>
           </p:cNvPr>
@@ -13736,7 +13697,7 @@
           <p:cNvPr id="10" name="矩形 9">
             <a:extLst>
               <a:ext uri="{FF2B5EF4-FFF2-40B4-BE49-F238E27FC236}">
-                <a16:creationId xmlns:a16="http://schemas.microsoft.com/office/drawing/2014/main" xmlns="" id="{F9D241F4-43A0-42F1-BAD8-FDC607C839CB}"/>
+                <a16:creationId xmlns:a16="http://schemas.microsoft.com/office/drawing/2014/main" id="{F9D241F4-43A0-42F1-BAD8-FDC607C839CB}"/>
               </a:ext>
             </a:extLst>
           </p:cNvPr>
@@ -13797,7 +13758,7 @@
           <p:cNvPr id="13" name="矩形 12">
             <a:extLst>
               <a:ext uri="{FF2B5EF4-FFF2-40B4-BE49-F238E27FC236}">
-                <a16:creationId xmlns:a16="http://schemas.microsoft.com/office/drawing/2014/main" xmlns="" id="{B97AAFC1-D145-453C-B52E-4D7F5E5C22D2}"/>
+                <a16:creationId xmlns:a16="http://schemas.microsoft.com/office/drawing/2014/main" id="{B97AAFC1-D145-453C-B52E-4D7F5E5C22D2}"/>
               </a:ext>
             </a:extLst>
           </p:cNvPr>
@@ -13858,7 +13819,7 @@
           <p:cNvPr id="15" name="矩形 14">
             <a:extLst>
               <a:ext uri="{FF2B5EF4-FFF2-40B4-BE49-F238E27FC236}">
-                <a16:creationId xmlns:a16="http://schemas.microsoft.com/office/drawing/2014/main" xmlns="" id="{A53A0CBB-302E-49C2-A2E0-FD09B40B0D41}"/>
+                <a16:creationId xmlns:a16="http://schemas.microsoft.com/office/drawing/2014/main" id="{A53A0CBB-302E-49C2-A2E0-FD09B40B0D41}"/>
               </a:ext>
             </a:extLst>
           </p:cNvPr>
@@ -13919,7 +13880,7 @@
           <p:cNvPr id="16" name="矩形 15">
             <a:extLst>
               <a:ext uri="{FF2B5EF4-FFF2-40B4-BE49-F238E27FC236}">
-                <a16:creationId xmlns:a16="http://schemas.microsoft.com/office/drawing/2014/main" xmlns="" id="{13B14D9D-D6E5-429A-A2F9-C8BC8C994B4E}"/>
+                <a16:creationId xmlns:a16="http://schemas.microsoft.com/office/drawing/2014/main" id="{13B14D9D-D6E5-429A-A2F9-C8BC8C994B4E}"/>
               </a:ext>
             </a:extLst>
           </p:cNvPr>
@@ -14010,7 +13971,7 @@
           <p:cNvPr id="2" name="标题 1">
             <a:extLst>
               <a:ext uri="{FF2B5EF4-FFF2-40B4-BE49-F238E27FC236}">
-                <a16:creationId xmlns:a16="http://schemas.microsoft.com/office/drawing/2014/main" xmlns="" id="{21773CAC-5FD5-429E-B689-71E9BE0A40A2}"/>
+                <a16:creationId xmlns:a16="http://schemas.microsoft.com/office/drawing/2014/main" id="{21773CAC-5FD5-429E-B689-71E9BE0A40A2}"/>
               </a:ext>
             </a:extLst>
           </p:cNvPr>
@@ -14051,7 +14012,7 @@
           <p:cNvPr id="10" name="内容占位符 9" descr="热气球">
             <a:extLst>
               <a:ext uri="{FF2B5EF4-FFF2-40B4-BE49-F238E27FC236}">
-                <a16:creationId xmlns:a16="http://schemas.microsoft.com/office/drawing/2014/main" xmlns="" id="{7080D5A5-5F6A-49FC-B362-D90FF1494661}"/>
+                <a16:creationId xmlns:a16="http://schemas.microsoft.com/office/drawing/2014/main" id="{7080D5A5-5F6A-49FC-B362-D90FF1494661}"/>
               </a:ext>
             </a:extLst>
           </p:cNvPr>
@@ -14069,7 +14030,7 @@
                 <a14:useLocalDpi xmlns:a14="http://schemas.microsoft.com/office/drawing/2010/main" val="0"/>
               </a:ext>
               <a:ext uri="{96DAC541-7B7A-43D3-8B79-37D633B846F1}">
-                <asvg:svgBlip xmlns:asvg="http://schemas.microsoft.com/office/drawing/2016/SVG/main" xmlns="" r:embed="rId3"/>
+                <asvg:svgBlip xmlns:asvg="http://schemas.microsoft.com/office/drawing/2016/SVG/main" r:embed="rId3"/>
               </a:ext>
             </a:extLst>
           </a:blip>
@@ -14089,7 +14050,7 @@
           <p:cNvPr id="11" name="矩形 10">
             <a:extLst>
               <a:ext uri="{FF2B5EF4-FFF2-40B4-BE49-F238E27FC236}">
-                <a16:creationId xmlns:a16="http://schemas.microsoft.com/office/drawing/2014/main" xmlns="" id="{F69C5AD4-FE80-4C3D-992A-32CCBE3D4516}"/>
+                <a16:creationId xmlns:a16="http://schemas.microsoft.com/office/drawing/2014/main" id="{F69C5AD4-FE80-4C3D-992A-32CCBE3D4516}"/>
               </a:ext>
             </a:extLst>
           </p:cNvPr>
@@ -14153,7 +14114,7 @@
           <p:cNvPr id="7" name="文本框 6">
             <a:extLst>
               <a:ext uri="{FF2B5EF4-FFF2-40B4-BE49-F238E27FC236}">
-                <a16:creationId xmlns:a16="http://schemas.microsoft.com/office/drawing/2014/main" xmlns="" id="{A979CCBC-E244-4F94-E1F2-1C96D4A8AD8D}"/>
+                <a16:creationId xmlns:a16="http://schemas.microsoft.com/office/drawing/2014/main" id="{A979CCBC-E244-4F94-E1F2-1C96D4A8AD8D}"/>
               </a:ext>
             </a:extLst>
           </p:cNvPr>
@@ -14271,7 +14232,7 @@
           <p:cNvPr id="8" name="矩形 7">
             <a:extLst>
               <a:ext uri="{FF2B5EF4-FFF2-40B4-BE49-F238E27FC236}">
-                <a16:creationId xmlns:a16="http://schemas.microsoft.com/office/drawing/2014/main" xmlns="" id="{DF3D512F-DEAE-69AC-BEF5-24A46EA98109}"/>
+                <a16:creationId xmlns:a16="http://schemas.microsoft.com/office/drawing/2014/main" id="{DF3D512F-DEAE-69AC-BEF5-24A46EA98109}"/>
               </a:ext>
             </a:extLst>
           </p:cNvPr>
@@ -14351,7 +14312,7 @@
           <p:cNvPr id="2" name="标题 1">
             <a:extLst>
               <a:ext uri="{FF2B5EF4-FFF2-40B4-BE49-F238E27FC236}">
-                <a16:creationId xmlns:a16="http://schemas.microsoft.com/office/drawing/2014/main" xmlns="" id="{21773CAC-5FD5-429E-B689-71E9BE0A40A2}"/>
+                <a16:creationId xmlns:a16="http://schemas.microsoft.com/office/drawing/2014/main" id="{21773CAC-5FD5-429E-B689-71E9BE0A40A2}"/>
               </a:ext>
             </a:extLst>
           </p:cNvPr>
@@ -14392,7 +14353,7 @@
           <p:cNvPr id="10" name="内容占位符 9" descr="热气球">
             <a:extLst>
               <a:ext uri="{FF2B5EF4-FFF2-40B4-BE49-F238E27FC236}">
-                <a16:creationId xmlns:a16="http://schemas.microsoft.com/office/drawing/2014/main" xmlns="" id="{7080D5A5-5F6A-49FC-B362-D90FF1494661}"/>
+                <a16:creationId xmlns:a16="http://schemas.microsoft.com/office/drawing/2014/main" id="{7080D5A5-5F6A-49FC-B362-D90FF1494661}"/>
               </a:ext>
             </a:extLst>
           </p:cNvPr>
@@ -14410,7 +14371,7 @@
                 <a14:useLocalDpi xmlns:a14="http://schemas.microsoft.com/office/drawing/2010/main" val="0"/>
               </a:ext>
               <a:ext uri="{96DAC541-7B7A-43D3-8B79-37D633B846F1}">
-                <asvg:svgBlip xmlns:asvg="http://schemas.microsoft.com/office/drawing/2016/SVG/main" xmlns="" r:embed="rId3"/>
+                <asvg:svgBlip xmlns:asvg="http://schemas.microsoft.com/office/drawing/2016/SVG/main" r:embed="rId3"/>
               </a:ext>
             </a:extLst>
           </a:blip>
@@ -14430,7 +14391,7 @@
           <p:cNvPr id="11" name="矩形 10">
             <a:extLst>
               <a:ext uri="{FF2B5EF4-FFF2-40B4-BE49-F238E27FC236}">
-                <a16:creationId xmlns:a16="http://schemas.microsoft.com/office/drawing/2014/main" xmlns="" id="{F69C5AD4-FE80-4C3D-992A-32CCBE3D4516}"/>
+                <a16:creationId xmlns:a16="http://schemas.microsoft.com/office/drawing/2014/main" id="{F69C5AD4-FE80-4C3D-992A-32CCBE3D4516}"/>
               </a:ext>
             </a:extLst>
           </p:cNvPr>
@@ -14494,7 +14455,7 @@
           <p:cNvPr id="4" name="图片 3">
             <a:extLst>
               <a:ext uri="{FF2B5EF4-FFF2-40B4-BE49-F238E27FC236}">
-                <a16:creationId xmlns:a16="http://schemas.microsoft.com/office/drawing/2014/main" xmlns="" id="{89CC1681-D66B-0BC0-21A6-695782AF3BBE}"/>
+                <a16:creationId xmlns:a16="http://schemas.microsoft.com/office/drawing/2014/main" id="{89CC1681-D66B-0BC0-21A6-695782AF3BBE}"/>
               </a:ext>
             </a:extLst>
           </p:cNvPr>
@@ -14554,7 +14515,7 @@
           <p:cNvPr id="2" name="标题 1">
             <a:extLst>
               <a:ext uri="{FF2B5EF4-FFF2-40B4-BE49-F238E27FC236}">
-                <a16:creationId xmlns:a16="http://schemas.microsoft.com/office/drawing/2014/main" xmlns="" id="{21773CAC-5FD5-429E-B689-71E9BE0A40A2}"/>
+                <a16:creationId xmlns:a16="http://schemas.microsoft.com/office/drawing/2014/main" id="{21773CAC-5FD5-429E-B689-71E9BE0A40A2}"/>
               </a:ext>
             </a:extLst>
           </p:cNvPr>
@@ -14595,7 +14556,7 @@
           <p:cNvPr id="10" name="内容占位符 9" descr="热气球">
             <a:extLst>
               <a:ext uri="{FF2B5EF4-FFF2-40B4-BE49-F238E27FC236}">
-                <a16:creationId xmlns:a16="http://schemas.microsoft.com/office/drawing/2014/main" xmlns="" id="{7080D5A5-5F6A-49FC-B362-D90FF1494661}"/>
+                <a16:creationId xmlns:a16="http://schemas.microsoft.com/office/drawing/2014/main" id="{7080D5A5-5F6A-49FC-B362-D90FF1494661}"/>
               </a:ext>
             </a:extLst>
           </p:cNvPr>
@@ -14613,7 +14574,7 @@
                 <a14:useLocalDpi xmlns:a14="http://schemas.microsoft.com/office/drawing/2010/main" val="0"/>
               </a:ext>
               <a:ext uri="{96DAC541-7B7A-43D3-8B79-37D633B846F1}">
-                <asvg:svgBlip xmlns:asvg="http://schemas.microsoft.com/office/drawing/2016/SVG/main" xmlns="" r:embed="rId3"/>
+                <asvg:svgBlip xmlns:asvg="http://schemas.microsoft.com/office/drawing/2016/SVG/main" r:embed="rId3"/>
               </a:ext>
             </a:extLst>
           </a:blip>
@@ -14633,7 +14594,7 @@
           <p:cNvPr id="11" name="矩形 10">
             <a:extLst>
               <a:ext uri="{FF2B5EF4-FFF2-40B4-BE49-F238E27FC236}">
-                <a16:creationId xmlns:a16="http://schemas.microsoft.com/office/drawing/2014/main" xmlns="" id="{F69C5AD4-FE80-4C3D-992A-32CCBE3D4516}"/>
+                <a16:creationId xmlns:a16="http://schemas.microsoft.com/office/drawing/2014/main" id="{F69C5AD4-FE80-4C3D-992A-32CCBE3D4516}"/>
               </a:ext>
             </a:extLst>
           </p:cNvPr>
@@ -14697,7 +14658,7 @@
           <p:cNvPr id="6" name="文本框 5">
             <a:extLst>
               <a:ext uri="{FF2B5EF4-FFF2-40B4-BE49-F238E27FC236}">
-                <a16:creationId xmlns:a16="http://schemas.microsoft.com/office/drawing/2014/main" xmlns="" id="{040550C1-1657-5CEB-2EE1-B20A76E17332}"/>
+                <a16:creationId xmlns:a16="http://schemas.microsoft.com/office/drawing/2014/main" id="{040550C1-1657-5CEB-2EE1-B20A76E17332}"/>
               </a:ext>
             </a:extLst>
           </p:cNvPr>
@@ -14742,7 +14703,7 @@
           <p:cNvPr id="7" name="文本框 6">
             <a:extLst>
               <a:ext uri="{FF2B5EF4-FFF2-40B4-BE49-F238E27FC236}">
-                <a16:creationId xmlns:a16="http://schemas.microsoft.com/office/drawing/2014/main" xmlns="" id="{06A1CEAD-1430-40AD-C5EF-FD82A4C3F907}"/>
+                <a16:creationId xmlns:a16="http://schemas.microsoft.com/office/drawing/2014/main" id="{06A1CEAD-1430-40AD-C5EF-FD82A4C3F907}"/>
               </a:ext>
             </a:extLst>
           </p:cNvPr>
@@ -14751,7 +14712,7 @@
         </p:nvSpPr>
         <p:spPr>
           <a:xfrm>
-            <a:off x="990600" y="4270083"/>
+            <a:off x="1066800" y="4270083"/>
             <a:ext cx="9396095" cy="829945"/>
           </a:xfrm>
           <a:prstGeom prst="rect">
@@ -14849,7 +14810,7 @@
           <p:cNvPr id="2" name="标题 1">
             <a:extLst>
               <a:ext uri="{FF2B5EF4-FFF2-40B4-BE49-F238E27FC236}">
-                <a16:creationId xmlns:a16="http://schemas.microsoft.com/office/drawing/2014/main" xmlns="" id="{21773CAC-5FD5-429E-B689-71E9BE0A40A2}"/>
+                <a16:creationId xmlns:a16="http://schemas.microsoft.com/office/drawing/2014/main" id="{21773CAC-5FD5-429E-B689-71E9BE0A40A2}"/>
               </a:ext>
             </a:extLst>
           </p:cNvPr>
@@ -14890,7 +14851,7 @@
           <p:cNvPr id="10" name="内容占位符 9" descr="热气球">
             <a:extLst>
               <a:ext uri="{FF2B5EF4-FFF2-40B4-BE49-F238E27FC236}">
-                <a16:creationId xmlns:a16="http://schemas.microsoft.com/office/drawing/2014/main" xmlns="" id="{7080D5A5-5F6A-49FC-B362-D90FF1494661}"/>
+                <a16:creationId xmlns:a16="http://schemas.microsoft.com/office/drawing/2014/main" id="{7080D5A5-5F6A-49FC-B362-D90FF1494661}"/>
               </a:ext>
             </a:extLst>
           </p:cNvPr>
@@ -14908,7 +14869,7 @@
                 <a14:useLocalDpi xmlns:a14="http://schemas.microsoft.com/office/drawing/2010/main" val="0"/>
               </a:ext>
               <a:ext uri="{96DAC541-7B7A-43D3-8B79-37D633B846F1}">
-                <asvg:svgBlip xmlns:asvg="http://schemas.microsoft.com/office/drawing/2016/SVG/main" xmlns="" r:embed="rId3"/>
+                <asvg:svgBlip xmlns:asvg="http://schemas.microsoft.com/office/drawing/2016/SVG/main" r:embed="rId3"/>
               </a:ext>
             </a:extLst>
           </a:blip>
@@ -14928,7 +14889,7 @@
           <p:cNvPr id="11" name="矩形 10">
             <a:extLst>
               <a:ext uri="{FF2B5EF4-FFF2-40B4-BE49-F238E27FC236}">
-                <a16:creationId xmlns:a16="http://schemas.microsoft.com/office/drawing/2014/main" xmlns="" id="{F69C5AD4-FE80-4C3D-992A-32CCBE3D4516}"/>
+                <a16:creationId xmlns:a16="http://schemas.microsoft.com/office/drawing/2014/main" id="{F69C5AD4-FE80-4C3D-992A-32CCBE3D4516}"/>
               </a:ext>
             </a:extLst>
           </p:cNvPr>
@@ -14992,7 +14953,7 @@
           <p:cNvPr id="8" name="文本框 7">
             <a:extLst>
               <a:ext uri="{FF2B5EF4-FFF2-40B4-BE49-F238E27FC236}">
-                <a16:creationId xmlns:a16="http://schemas.microsoft.com/office/drawing/2014/main" xmlns="" id="{59BF8632-041F-D539-CDB6-8303137C7D04}"/>
+                <a16:creationId xmlns:a16="http://schemas.microsoft.com/office/drawing/2014/main" id="{59BF8632-041F-D539-CDB6-8303137C7D04}"/>
               </a:ext>
             </a:extLst>
           </p:cNvPr>
@@ -15212,7 +15173,7 @@
           <p:cNvPr id="2" name="标题 1">
             <a:extLst>
               <a:ext uri="{FF2B5EF4-FFF2-40B4-BE49-F238E27FC236}">
-                <a16:creationId xmlns:a16="http://schemas.microsoft.com/office/drawing/2014/main" xmlns="" id="{21773CAC-5FD5-429E-B689-71E9BE0A40A2}"/>
+                <a16:creationId xmlns:a16="http://schemas.microsoft.com/office/drawing/2014/main" id="{21773CAC-5FD5-429E-B689-71E9BE0A40A2}"/>
               </a:ext>
             </a:extLst>
           </p:cNvPr>
@@ -15253,7 +15214,7 @@
           <p:cNvPr id="10" name="内容占位符 9" descr="热气球">
             <a:extLst>
               <a:ext uri="{FF2B5EF4-FFF2-40B4-BE49-F238E27FC236}">
-                <a16:creationId xmlns:a16="http://schemas.microsoft.com/office/drawing/2014/main" xmlns="" id="{7080D5A5-5F6A-49FC-B362-D90FF1494661}"/>
+                <a16:creationId xmlns:a16="http://schemas.microsoft.com/office/drawing/2014/main" id="{7080D5A5-5F6A-49FC-B362-D90FF1494661}"/>
               </a:ext>
             </a:extLst>
           </p:cNvPr>
@@ -15271,7 +15232,7 @@
                 <a14:useLocalDpi xmlns:a14="http://schemas.microsoft.com/office/drawing/2010/main" val="0"/>
               </a:ext>
               <a:ext uri="{96DAC541-7B7A-43D3-8B79-37D633B846F1}">
-                <asvg:svgBlip xmlns:asvg="http://schemas.microsoft.com/office/drawing/2016/SVG/main" xmlns="" r:embed="rId3"/>
+                <asvg:svgBlip xmlns:asvg="http://schemas.microsoft.com/office/drawing/2016/SVG/main" r:embed="rId3"/>
               </a:ext>
             </a:extLst>
           </a:blip>
@@ -15291,7 +15252,7 @@
           <p:cNvPr id="11" name="矩形 10">
             <a:extLst>
               <a:ext uri="{FF2B5EF4-FFF2-40B4-BE49-F238E27FC236}">
-                <a16:creationId xmlns:a16="http://schemas.microsoft.com/office/drawing/2014/main" xmlns="" id="{F69C5AD4-FE80-4C3D-992A-32CCBE3D4516}"/>
+                <a16:creationId xmlns:a16="http://schemas.microsoft.com/office/drawing/2014/main" id="{F69C5AD4-FE80-4C3D-992A-32CCBE3D4516}"/>
               </a:ext>
             </a:extLst>
           </p:cNvPr>
@@ -15355,7 +15316,7 @@
           <p:cNvPr id="6" name="文本框 5">
             <a:extLst>
               <a:ext uri="{FF2B5EF4-FFF2-40B4-BE49-F238E27FC236}">
-                <a16:creationId xmlns:a16="http://schemas.microsoft.com/office/drawing/2014/main" xmlns="" id="{422762A2-174C-E2BF-735B-A3CE6AC89588}"/>
+                <a16:creationId xmlns:a16="http://schemas.microsoft.com/office/drawing/2014/main" id="{422762A2-174C-E2BF-735B-A3CE6AC89588}"/>
               </a:ext>
             </a:extLst>
           </p:cNvPr>
@@ -15707,7 +15668,7 @@
           <p:cNvPr id="2" name="标题 1">
             <a:extLst>
               <a:ext uri="{FF2B5EF4-FFF2-40B4-BE49-F238E27FC236}">
-                <a16:creationId xmlns:a16="http://schemas.microsoft.com/office/drawing/2014/main" xmlns="" id="{21773CAC-5FD5-429E-B689-71E9BE0A40A2}"/>
+                <a16:creationId xmlns:a16="http://schemas.microsoft.com/office/drawing/2014/main" id="{21773CAC-5FD5-429E-B689-71E9BE0A40A2}"/>
               </a:ext>
             </a:extLst>
           </p:cNvPr>
@@ -15748,7 +15709,7 @@
           <p:cNvPr id="10" name="内容占位符 9" descr="热气球">
             <a:extLst>
               <a:ext uri="{FF2B5EF4-FFF2-40B4-BE49-F238E27FC236}">
-                <a16:creationId xmlns:a16="http://schemas.microsoft.com/office/drawing/2014/main" xmlns="" id="{7080D5A5-5F6A-49FC-B362-D90FF1494661}"/>
+                <a16:creationId xmlns:a16="http://schemas.microsoft.com/office/drawing/2014/main" id="{7080D5A5-5F6A-49FC-B362-D90FF1494661}"/>
               </a:ext>
             </a:extLst>
           </p:cNvPr>
@@ -15766,7 +15727,7 @@
                 <a14:useLocalDpi xmlns:a14="http://schemas.microsoft.com/office/drawing/2010/main" val="0"/>
               </a:ext>
               <a:ext uri="{96DAC541-7B7A-43D3-8B79-37D633B846F1}">
-                <asvg:svgBlip xmlns:asvg="http://schemas.microsoft.com/office/drawing/2016/SVG/main" xmlns="" r:embed="rId3"/>
+                <asvg:svgBlip xmlns:asvg="http://schemas.microsoft.com/office/drawing/2016/SVG/main" r:embed="rId3"/>
               </a:ext>
             </a:extLst>
           </a:blip>
@@ -15786,7 +15747,7 @@
           <p:cNvPr id="11" name="矩形 10">
             <a:extLst>
               <a:ext uri="{FF2B5EF4-FFF2-40B4-BE49-F238E27FC236}">
-                <a16:creationId xmlns:a16="http://schemas.microsoft.com/office/drawing/2014/main" xmlns="" id="{F69C5AD4-FE80-4C3D-992A-32CCBE3D4516}"/>
+                <a16:creationId xmlns:a16="http://schemas.microsoft.com/office/drawing/2014/main" id="{F69C5AD4-FE80-4C3D-992A-32CCBE3D4516}"/>
               </a:ext>
             </a:extLst>
           </p:cNvPr>
@@ -15850,7 +15811,7 @@
           <p:cNvPr id="4" name="图片 3">
             <a:extLst>
               <a:ext uri="{FF2B5EF4-FFF2-40B4-BE49-F238E27FC236}">
-                <a16:creationId xmlns:a16="http://schemas.microsoft.com/office/drawing/2014/main" xmlns="" id="{99FEFD8E-8929-2113-0DA0-E52FD5E6D902}"/>
+                <a16:creationId xmlns:a16="http://schemas.microsoft.com/office/drawing/2014/main" id="{99FEFD8E-8929-2113-0DA0-E52FD5E6D902}"/>
               </a:ext>
             </a:extLst>
           </p:cNvPr>
@@ -15880,7 +15841,7 @@
           <p:cNvPr id="8" name="文本框 7">
             <a:extLst>
               <a:ext uri="{FF2B5EF4-FFF2-40B4-BE49-F238E27FC236}">
-                <a16:creationId xmlns:a16="http://schemas.microsoft.com/office/drawing/2014/main" xmlns="" id="{B5D1691C-26ED-4ED7-76FB-F4DBDBF2C6BB}"/>
+                <a16:creationId xmlns:a16="http://schemas.microsoft.com/office/drawing/2014/main" id="{B5D1691C-26ED-4ED7-76FB-F4DBDBF2C6BB}"/>
               </a:ext>
             </a:extLst>
           </p:cNvPr>
@@ -16112,7 +16073,7 @@
           <p:cNvPr id="2" name="标题 1">
             <a:extLst>
               <a:ext uri="{FF2B5EF4-FFF2-40B4-BE49-F238E27FC236}">
-                <a16:creationId xmlns:a16="http://schemas.microsoft.com/office/drawing/2014/main" xmlns="" id="{21773CAC-5FD5-429E-B689-71E9BE0A40A2}"/>
+                <a16:creationId xmlns:a16="http://schemas.microsoft.com/office/drawing/2014/main" id="{21773CAC-5FD5-429E-B689-71E9BE0A40A2}"/>
               </a:ext>
             </a:extLst>
           </p:cNvPr>
@@ -16153,7 +16114,7 @@
           <p:cNvPr id="10" name="内容占位符 9" descr="热气球">
             <a:extLst>
               <a:ext uri="{FF2B5EF4-FFF2-40B4-BE49-F238E27FC236}">
-                <a16:creationId xmlns:a16="http://schemas.microsoft.com/office/drawing/2014/main" xmlns="" id="{7080D5A5-5F6A-49FC-B362-D90FF1494661}"/>
+                <a16:creationId xmlns:a16="http://schemas.microsoft.com/office/drawing/2014/main" id="{7080D5A5-5F6A-49FC-B362-D90FF1494661}"/>
               </a:ext>
             </a:extLst>
           </p:cNvPr>
@@ -16171,7 +16132,7 @@
                 <a14:useLocalDpi xmlns:a14="http://schemas.microsoft.com/office/drawing/2010/main" val="0"/>
               </a:ext>
               <a:ext uri="{96DAC541-7B7A-43D3-8B79-37D633B846F1}">
-                <asvg:svgBlip xmlns:asvg="http://schemas.microsoft.com/office/drawing/2016/SVG/main" xmlns="" r:embed="rId3"/>
+                <asvg:svgBlip xmlns:asvg="http://schemas.microsoft.com/office/drawing/2016/SVG/main" r:embed="rId3"/>
               </a:ext>
             </a:extLst>
           </a:blip>
@@ -16191,7 +16152,7 @@
           <p:cNvPr id="11" name="矩形 10">
             <a:extLst>
               <a:ext uri="{FF2B5EF4-FFF2-40B4-BE49-F238E27FC236}">
-                <a16:creationId xmlns:a16="http://schemas.microsoft.com/office/drawing/2014/main" xmlns="" id="{F69C5AD4-FE80-4C3D-992A-32CCBE3D4516}"/>
+                <a16:creationId xmlns:a16="http://schemas.microsoft.com/office/drawing/2014/main" id="{F69C5AD4-FE80-4C3D-992A-32CCBE3D4516}"/>
               </a:ext>
             </a:extLst>
           </p:cNvPr>
@@ -16255,7 +16216,7 @@
           <p:cNvPr id="7" name="矩形 6">
             <a:extLst>
               <a:ext uri="{FF2B5EF4-FFF2-40B4-BE49-F238E27FC236}">
-                <a16:creationId xmlns:a16="http://schemas.microsoft.com/office/drawing/2014/main" xmlns="" id="{8ECF4AAF-6244-22BB-6EF6-72D75B644FFB}"/>
+                <a16:creationId xmlns:a16="http://schemas.microsoft.com/office/drawing/2014/main" id="{8ECF4AAF-6244-22BB-6EF6-72D75B644FFB}"/>
               </a:ext>
             </a:extLst>
           </p:cNvPr>
@@ -16316,7 +16277,7 @@
           <p:cNvPr id="9" name="文本框 8">
             <a:extLst>
               <a:ext uri="{FF2B5EF4-FFF2-40B4-BE49-F238E27FC236}">
-                <a16:creationId xmlns:a16="http://schemas.microsoft.com/office/drawing/2014/main" xmlns="" id="{864DE1B8-199F-CF0D-748D-EFFA61E39C7F}"/>
+                <a16:creationId xmlns:a16="http://schemas.microsoft.com/office/drawing/2014/main" id="{864DE1B8-199F-CF0D-748D-EFFA61E39C7F}"/>
               </a:ext>
             </a:extLst>
           </p:cNvPr>
@@ -16425,7 +16386,7 @@
           <p:cNvPr id="5" name="矩形 4">
             <a:extLst>
               <a:ext uri="{FF2B5EF4-FFF2-40B4-BE49-F238E27FC236}">
-                <a16:creationId xmlns:a16="http://schemas.microsoft.com/office/drawing/2014/main" xmlns="" id="{039A504D-9DC2-4A74-8293-0AA6AA994701}"/>
+                <a16:creationId xmlns:a16="http://schemas.microsoft.com/office/drawing/2014/main" id="{039A504D-9DC2-4A74-8293-0AA6AA994701}"/>
               </a:ext>
             </a:extLst>
           </p:cNvPr>
@@ -16511,7 +16472,7 @@
           <p:cNvPr id="7" name="图形 6" descr="指向右边的反手食指">
             <a:extLst>
               <a:ext uri="{FF2B5EF4-FFF2-40B4-BE49-F238E27FC236}">
-                <a16:creationId xmlns:a16="http://schemas.microsoft.com/office/drawing/2014/main" xmlns="" id="{DF92645B-A9DF-4612-8020-CE2BB661ED2F}"/>
+                <a16:creationId xmlns:a16="http://schemas.microsoft.com/office/drawing/2014/main" id="{DF92645B-A9DF-4612-8020-CE2BB661ED2F}"/>
               </a:ext>
             </a:extLst>
           </p:cNvPr>
@@ -16527,7 +16488,7 @@
                 <a14:useLocalDpi xmlns:a14="http://schemas.microsoft.com/office/drawing/2010/main" val="0"/>
               </a:ext>
               <a:ext uri="{96DAC541-7B7A-43D3-8B79-37D633B846F1}">
-                <asvg:svgBlip xmlns:asvg="http://schemas.microsoft.com/office/drawing/2016/SVG/main" xmlns="" r:embed="rId3"/>
+                <asvg:svgBlip xmlns:asvg="http://schemas.microsoft.com/office/drawing/2016/SVG/main" r:embed="rId3"/>
               </a:ext>
             </a:extLst>
           </a:blip>
@@ -16550,7 +16511,7 @@
           <p:cNvPr id="9" name="图片 8">
             <a:extLst>
               <a:ext uri="{FF2B5EF4-FFF2-40B4-BE49-F238E27FC236}">
-                <a16:creationId xmlns:a16="http://schemas.microsoft.com/office/drawing/2014/main" xmlns="" id="{2C3ECA0C-F448-4E00-8065-8E4F05BBEE99}"/>
+                <a16:creationId xmlns:a16="http://schemas.microsoft.com/office/drawing/2014/main" id="{2C3ECA0C-F448-4E00-8065-8E4F05BBEE99}"/>
               </a:ext>
             </a:extLst>
           </p:cNvPr>
@@ -16586,7 +16547,7 @@
           <p:cNvPr id="11" name="图片 10">
             <a:extLst>
               <a:ext uri="{FF2B5EF4-FFF2-40B4-BE49-F238E27FC236}">
-                <a16:creationId xmlns:a16="http://schemas.microsoft.com/office/drawing/2014/main" xmlns="" id="{801370CA-F3B9-444F-95CA-D5B98ED672F9}"/>
+                <a16:creationId xmlns:a16="http://schemas.microsoft.com/office/drawing/2014/main" id="{801370CA-F3B9-444F-95CA-D5B98ED672F9}"/>
               </a:ext>
             </a:extLst>
           </p:cNvPr>
@@ -16652,7 +16613,7 @@
           <p:cNvPr id="2" name="标题 1">
             <a:extLst>
               <a:ext uri="{FF2B5EF4-FFF2-40B4-BE49-F238E27FC236}">
-                <a16:creationId xmlns:a16="http://schemas.microsoft.com/office/drawing/2014/main" xmlns="" id="{21773CAC-5FD5-429E-B689-71E9BE0A40A2}"/>
+                <a16:creationId xmlns:a16="http://schemas.microsoft.com/office/drawing/2014/main" id="{21773CAC-5FD5-429E-B689-71E9BE0A40A2}"/>
               </a:ext>
             </a:extLst>
           </p:cNvPr>
@@ -16693,7 +16654,7 @@
           <p:cNvPr id="10" name="内容占位符 9" descr="热气球">
             <a:extLst>
               <a:ext uri="{FF2B5EF4-FFF2-40B4-BE49-F238E27FC236}">
-                <a16:creationId xmlns:a16="http://schemas.microsoft.com/office/drawing/2014/main" xmlns="" id="{7080D5A5-5F6A-49FC-B362-D90FF1494661}"/>
+                <a16:creationId xmlns:a16="http://schemas.microsoft.com/office/drawing/2014/main" id="{7080D5A5-5F6A-49FC-B362-D90FF1494661}"/>
               </a:ext>
             </a:extLst>
           </p:cNvPr>
@@ -16711,7 +16672,7 @@
                 <a14:useLocalDpi xmlns:a14="http://schemas.microsoft.com/office/drawing/2010/main" val="0"/>
               </a:ext>
               <a:ext uri="{96DAC541-7B7A-43D3-8B79-37D633B846F1}">
-                <asvg:svgBlip xmlns:asvg="http://schemas.microsoft.com/office/drawing/2016/SVG/main" xmlns="" r:embed="rId3"/>
+                <asvg:svgBlip xmlns:asvg="http://schemas.microsoft.com/office/drawing/2016/SVG/main" r:embed="rId3"/>
               </a:ext>
             </a:extLst>
           </a:blip>
@@ -16731,7 +16692,7 @@
           <p:cNvPr id="11" name="矩形 10">
             <a:extLst>
               <a:ext uri="{FF2B5EF4-FFF2-40B4-BE49-F238E27FC236}">
-                <a16:creationId xmlns:a16="http://schemas.microsoft.com/office/drawing/2014/main" xmlns="" id="{F69C5AD4-FE80-4C3D-992A-32CCBE3D4516}"/>
+                <a16:creationId xmlns:a16="http://schemas.microsoft.com/office/drawing/2014/main" id="{F69C5AD4-FE80-4C3D-992A-32CCBE3D4516}"/>
               </a:ext>
             </a:extLst>
           </p:cNvPr>
@@ -16795,7 +16756,7 @@
           <p:cNvPr id="15" name="文本框 14">
             <a:extLst>
               <a:ext uri="{FF2B5EF4-FFF2-40B4-BE49-F238E27FC236}">
-                <a16:creationId xmlns:a16="http://schemas.microsoft.com/office/drawing/2014/main" xmlns="" id="{8AC81380-EF8E-4135-9E82-08C884222986}"/>
+                <a16:creationId xmlns:a16="http://schemas.microsoft.com/office/drawing/2014/main" id="{8AC81380-EF8E-4135-9E82-08C884222986}"/>
               </a:ext>
             </a:extLst>
           </p:cNvPr>
@@ -16976,7 +16937,7 @@
           <p:cNvPr id="16" name="矩形 15">
             <a:extLst>
               <a:ext uri="{FF2B5EF4-FFF2-40B4-BE49-F238E27FC236}">
-                <a16:creationId xmlns:a16="http://schemas.microsoft.com/office/drawing/2014/main" xmlns="" id="{CC090BFB-8D74-449D-9246-1B7E1C924A9F}"/>
+                <a16:creationId xmlns:a16="http://schemas.microsoft.com/office/drawing/2014/main" id="{CC090BFB-8D74-449D-9246-1B7E1C924A9F}"/>
               </a:ext>
             </a:extLst>
           </p:cNvPr>
@@ -17067,7 +17028,7 @@
           <p:cNvPr id="2" name="标题 1">
             <a:extLst>
               <a:ext uri="{FF2B5EF4-FFF2-40B4-BE49-F238E27FC236}">
-                <a16:creationId xmlns:a16="http://schemas.microsoft.com/office/drawing/2014/main" xmlns="" id="{21773CAC-5FD5-429E-B689-71E9BE0A40A2}"/>
+                <a16:creationId xmlns:a16="http://schemas.microsoft.com/office/drawing/2014/main" id="{21773CAC-5FD5-429E-B689-71E9BE0A40A2}"/>
               </a:ext>
             </a:extLst>
           </p:cNvPr>
@@ -17108,7 +17069,7 @@
           <p:cNvPr id="10" name="内容占位符 9" descr="热气球">
             <a:extLst>
               <a:ext uri="{FF2B5EF4-FFF2-40B4-BE49-F238E27FC236}">
-                <a16:creationId xmlns:a16="http://schemas.microsoft.com/office/drawing/2014/main" xmlns="" id="{7080D5A5-5F6A-49FC-B362-D90FF1494661}"/>
+                <a16:creationId xmlns:a16="http://schemas.microsoft.com/office/drawing/2014/main" id="{7080D5A5-5F6A-49FC-B362-D90FF1494661}"/>
               </a:ext>
             </a:extLst>
           </p:cNvPr>
@@ -17126,7 +17087,7 @@
                 <a14:useLocalDpi xmlns:a14="http://schemas.microsoft.com/office/drawing/2010/main" val="0"/>
               </a:ext>
               <a:ext uri="{96DAC541-7B7A-43D3-8B79-37D633B846F1}">
-                <asvg:svgBlip xmlns:asvg="http://schemas.microsoft.com/office/drawing/2016/SVG/main" xmlns="" r:embed="rId3"/>
+                <asvg:svgBlip xmlns:asvg="http://schemas.microsoft.com/office/drawing/2016/SVG/main" r:embed="rId3"/>
               </a:ext>
             </a:extLst>
           </a:blip>
@@ -17146,7 +17107,7 @@
           <p:cNvPr id="11" name="矩形 10">
             <a:extLst>
               <a:ext uri="{FF2B5EF4-FFF2-40B4-BE49-F238E27FC236}">
-                <a16:creationId xmlns:a16="http://schemas.microsoft.com/office/drawing/2014/main" xmlns="" id="{F69C5AD4-FE80-4C3D-992A-32CCBE3D4516}"/>
+                <a16:creationId xmlns:a16="http://schemas.microsoft.com/office/drawing/2014/main" id="{F69C5AD4-FE80-4C3D-992A-32CCBE3D4516}"/>
               </a:ext>
             </a:extLst>
           </p:cNvPr>
@@ -17210,7 +17171,7 @@
           <p:cNvPr id="4" name="图片 3">
             <a:extLst>
               <a:ext uri="{FF2B5EF4-FFF2-40B4-BE49-F238E27FC236}">
-                <a16:creationId xmlns:a16="http://schemas.microsoft.com/office/drawing/2014/main" xmlns="" id="{336F771D-26B0-D391-1105-C68B8A05AF45}"/>
+                <a16:creationId xmlns:a16="http://schemas.microsoft.com/office/drawing/2014/main" id="{336F771D-26B0-D391-1105-C68B8A05AF45}"/>
               </a:ext>
             </a:extLst>
           </p:cNvPr>
@@ -17270,7 +17231,7 @@
           <p:cNvPr id="5" name="矩形 4">
             <a:extLst>
               <a:ext uri="{FF2B5EF4-FFF2-40B4-BE49-F238E27FC236}">
-                <a16:creationId xmlns:a16="http://schemas.microsoft.com/office/drawing/2014/main" xmlns="" id="{039A504D-9DC2-4A74-8293-0AA6AA994701}"/>
+                <a16:creationId xmlns:a16="http://schemas.microsoft.com/office/drawing/2014/main" id="{039A504D-9DC2-4A74-8293-0AA6AA994701}"/>
               </a:ext>
             </a:extLst>
           </p:cNvPr>
@@ -17356,7 +17317,7 @@
           <p:cNvPr id="7" name="图形 6" descr="指向右边的反手食指">
             <a:extLst>
               <a:ext uri="{FF2B5EF4-FFF2-40B4-BE49-F238E27FC236}">
-                <a16:creationId xmlns:a16="http://schemas.microsoft.com/office/drawing/2014/main" xmlns="" id="{DF92645B-A9DF-4612-8020-CE2BB661ED2F}"/>
+                <a16:creationId xmlns:a16="http://schemas.microsoft.com/office/drawing/2014/main" id="{DF92645B-A9DF-4612-8020-CE2BB661ED2F}"/>
               </a:ext>
             </a:extLst>
           </p:cNvPr>
@@ -17372,7 +17333,7 @@
                 <a14:useLocalDpi xmlns:a14="http://schemas.microsoft.com/office/drawing/2010/main" val="0"/>
               </a:ext>
               <a:ext uri="{96DAC541-7B7A-43D3-8B79-37D633B846F1}">
-                <asvg:svgBlip xmlns:asvg="http://schemas.microsoft.com/office/drawing/2016/SVG/main" xmlns="" r:embed="rId3"/>
+                <asvg:svgBlip xmlns:asvg="http://schemas.microsoft.com/office/drawing/2016/SVG/main" r:embed="rId3"/>
               </a:ext>
             </a:extLst>
           </a:blip>
@@ -17395,7 +17356,7 @@
           <p:cNvPr id="9" name="图片 8">
             <a:extLst>
               <a:ext uri="{FF2B5EF4-FFF2-40B4-BE49-F238E27FC236}">
-                <a16:creationId xmlns:a16="http://schemas.microsoft.com/office/drawing/2014/main" xmlns="" id="{2C3ECA0C-F448-4E00-8065-8E4F05BBEE99}"/>
+                <a16:creationId xmlns:a16="http://schemas.microsoft.com/office/drawing/2014/main" id="{2C3ECA0C-F448-4E00-8065-8E4F05BBEE99}"/>
               </a:ext>
             </a:extLst>
           </p:cNvPr>
@@ -17431,7 +17392,7 @@
           <p:cNvPr id="11" name="图片 10">
             <a:extLst>
               <a:ext uri="{FF2B5EF4-FFF2-40B4-BE49-F238E27FC236}">
-                <a16:creationId xmlns:a16="http://schemas.microsoft.com/office/drawing/2014/main" xmlns="" id="{801370CA-F3B9-444F-95CA-D5B98ED672F9}"/>
+                <a16:creationId xmlns:a16="http://schemas.microsoft.com/office/drawing/2014/main" id="{801370CA-F3B9-444F-95CA-D5B98ED672F9}"/>
               </a:ext>
             </a:extLst>
           </p:cNvPr>
@@ -17497,7 +17458,7 @@
           <p:cNvPr id="2" name="标题 1">
             <a:extLst>
               <a:ext uri="{FF2B5EF4-FFF2-40B4-BE49-F238E27FC236}">
-                <a16:creationId xmlns:a16="http://schemas.microsoft.com/office/drawing/2014/main" xmlns="" id="{21773CAC-5FD5-429E-B689-71E9BE0A40A2}"/>
+                <a16:creationId xmlns:a16="http://schemas.microsoft.com/office/drawing/2014/main" id="{21773CAC-5FD5-429E-B689-71E9BE0A40A2}"/>
               </a:ext>
             </a:extLst>
           </p:cNvPr>
@@ -17538,7 +17499,7 @@
           <p:cNvPr id="10" name="内容占位符 9" descr="热气球">
             <a:extLst>
               <a:ext uri="{FF2B5EF4-FFF2-40B4-BE49-F238E27FC236}">
-                <a16:creationId xmlns:a16="http://schemas.microsoft.com/office/drawing/2014/main" xmlns="" id="{7080D5A5-5F6A-49FC-B362-D90FF1494661}"/>
+                <a16:creationId xmlns:a16="http://schemas.microsoft.com/office/drawing/2014/main" id="{7080D5A5-5F6A-49FC-B362-D90FF1494661}"/>
               </a:ext>
             </a:extLst>
           </p:cNvPr>
@@ -17556,7 +17517,7 @@
                 <a14:useLocalDpi xmlns:a14="http://schemas.microsoft.com/office/drawing/2010/main" val="0"/>
               </a:ext>
               <a:ext uri="{96DAC541-7B7A-43D3-8B79-37D633B846F1}">
-                <asvg:svgBlip xmlns:asvg="http://schemas.microsoft.com/office/drawing/2016/SVG/main" xmlns="" r:embed="rId3"/>
+                <asvg:svgBlip xmlns:asvg="http://schemas.microsoft.com/office/drawing/2016/SVG/main" r:embed="rId3"/>
               </a:ext>
             </a:extLst>
           </a:blip>
@@ -17576,7 +17537,7 @@
           <p:cNvPr id="11" name="矩形 10">
             <a:extLst>
               <a:ext uri="{FF2B5EF4-FFF2-40B4-BE49-F238E27FC236}">
-                <a16:creationId xmlns:a16="http://schemas.microsoft.com/office/drawing/2014/main" xmlns="" id="{F69C5AD4-FE80-4C3D-992A-32CCBE3D4516}"/>
+                <a16:creationId xmlns:a16="http://schemas.microsoft.com/office/drawing/2014/main" id="{F69C5AD4-FE80-4C3D-992A-32CCBE3D4516}"/>
               </a:ext>
             </a:extLst>
           </p:cNvPr>
@@ -17640,7 +17601,7 @@
           <p:cNvPr id="7" name="文本框 6">
             <a:extLst>
               <a:ext uri="{FF2B5EF4-FFF2-40B4-BE49-F238E27FC236}">
-                <a16:creationId xmlns:a16="http://schemas.microsoft.com/office/drawing/2014/main" xmlns="" id="{A41831CB-C861-9036-1CC8-1562DB632748}"/>
+                <a16:creationId xmlns:a16="http://schemas.microsoft.com/office/drawing/2014/main" id="{A41831CB-C861-9036-1CC8-1562DB632748}"/>
               </a:ext>
             </a:extLst>
           </p:cNvPr>
@@ -17723,7 +17684,7 @@
           <p:cNvPr id="2" name="标题 1">
             <a:extLst>
               <a:ext uri="{FF2B5EF4-FFF2-40B4-BE49-F238E27FC236}">
-                <a16:creationId xmlns:a16="http://schemas.microsoft.com/office/drawing/2014/main" xmlns="" id="{21773CAC-5FD5-429E-B689-71E9BE0A40A2}"/>
+                <a16:creationId xmlns:a16="http://schemas.microsoft.com/office/drawing/2014/main" id="{21773CAC-5FD5-429E-B689-71E9BE0A40A2}"/>
               </a:ext>
             </a:extLst>
           </p:cNvPr>
@@ -17764,7 +17725,7 @@
           <p:cNvPr id="10" name="内容占位符 9" descr="热气球">
             <a:extLst>
               <a:ext uri="{FF2B5EF4-FFF2-40B4-BE49-F238E27FC236}">
-                <a16:creationId xmlns:a16="http://schemas.microsoft.com/office/drawing/2014/main" xmlns="" id="{7080D5A5-5F6A-49FC-B362-D90FF1494661}"/>
+                <a16:creationId xmlns:a16="http://schemas.microsoft.com/office/drawing/2014/main" id="{7080D5A5-5F6A-49FC-B362-D90FF1494661}"/>
               </a:ext>
             </a:extLst>
           </p:cNvPr>
@@ -17782,7 +17743,7 @@
                 <a14:useLocalDpi xmlns:a14="http://schemas.microsoft.com/office/drawing/2010/main" val="0"/>
               </a:ext>
               <a:ext uri="{96DAC541-7B7A-43D3-8B79-37D633B846F1}">
-                <asvg:svgBlip xmlns:asvg="http://schemas.microsoft.com/office/drawing/2016/SVG/main" xmlns="" r:embed="rId3"/>
+                <asvg:svgBlip xmlns:asvg="http://schemas.microsoft.com/office/drawing/2016/SVG/main" r:embed="rId3"/>
               </a:ext>
             </a:extLst>
           </a:blip>
@@ -17802,7 +17763,7 @@
           <p:cNvPr id="11" name="矩形 10">
             <a:extLst>
               <a:ext uri="{FF2B5EF4-FFF2-40B4-BE49-F238E27FC236}">
-                <a16:creationId xmlns:a16="http://schemas.microsoft.com/office/drawing/2014/main" xmlns="" id="{F69C5AD4-FE80-4C3D-992A-32CCBE3D4516}"/>
+                <a16:creationId xmlns:a16="http://schemas.microsoft.com/office/drawing/2014/main" id="{F69C5AD4-FE80-4C3D-992A-32CCBE3D4516}"/>
               </a:ext>
             </a:extLst>
           </p:cNvPr>
@@ -17866,7 +17827,7 @@
           <p:cNvPr id="8" name="文本框 7">
             <a:extLst>
               <a:ext uri="{FF2B5EF4-FFF2-40B4-BE49-F238E27FC236}">
-                <a16:creationId xmlns:a16="http://schemas.microsoft.com/office/drawing/2014/main" xmlns="" id="{B9C020AF-BC70-210B-18BE-49F57AFCD342}"/>
+                <a16:creationId xmlns:a16="http://schemas.microsoft.com/office/drawing/2014/main" id="{B9C020AF-BC70-210B-18BE-49F57AFCD342}"/>
               </a:ext>
             </a:extLst>
           </p:cNvPr>
@@ -18024,7 +17985,7 @@
           <p:cNvPr id="2" name="标题 1">
             <a:extLst>
               <a:ext uri="{FF2B5EF4-FFF2-40B4-BE49-F238E27FC236}">
-                <a16:creationId xmlns:a16="http://schemas.microsoft.com/office/drawing/2014/main" xmlns="" id="{21773CAC-5FD5-429E-B689-71E9BE0A40A2}"/>
+                <a16:creationId xmlns:a16="http://schemas.microsoft.com/office/drawing/2014/main" id="{21773CAC-5FD5-429E-B689-71E9BE0A40A2}"/>
               </a:ext>
             </a:extLst>
           </p:cNvPr>
@@ -18065,7 +18026,7 @@
           <p:cNvPr id="10" name="内容占位符 9" descr="热气球">
             <a:extLst>
               <a:ext uri="{FF2B5EF4-FFF2-40B4-BE49-F238E27FC236}">
-                <a16:creationId xmlns:a16="http://schemas.microsoft.com/office/drawing/2014/main" xmlns="" id="{7080D5A5-5F6A-49FC-B362-D90FF1494661}"/>
+                <a16:creationId xmlns:a16="http://schemas.microsoft.com/office/drawing/2014/main" id="{7080D5A5-5F6A-49FC-B362-D90FF1494661}"/>
               </a:ext>
             </a:extLst>
           </p:cNvPr>
@@ -18083,7 +18044,7 @@
                 <a14:useLocalDpi xmlns:a14="http://schemas.microsoft.com/office/drawing/2010/main" val="0"/>
               </a:ext>
               <a:ext uri="{96DAC541-7B7A-43D3-8B79-37D633B846F1}">
-                <asvg:svgBlip xmlns:asvg="http://schemas.microsoft.com/office/drawing/2016/SVG/main" xmlns="" r:embed="rId3"/>
+                <asvg:svgBlip xmlns:asvg="http://schemas.microsoft.com/office/drawing/2016/SVG/main" r:embed="rId3"/>
               </a:ext>
             </a:extLst>
           </a:blip>
@@ -18103,7 +18064,7 @@
           <p:cNvPr id="11" name="矩形 10">
             <a:extLst>
               <a:ext uri="{FF2B5EF4-FFF2-40B4-BE49-F238E27FC236}">
-                <a16:creationId xmlns:a16="http://schemas.microsoft.com/office/drawing/2014/main" xmlns="" id="{F69C5AD4-FE80-4C3D-992A-32CCBE3D4516}"/>
+                <a16:creationId xmlns:a16="http://schemas.microsoft.com/office/drawing/2014/main" id="{F69C5AD4-FE80-4C3D-992A-32CCBE3D4516}"/>
               </a:ext>
             </a:extLst>
           </p:cNvPr>
@@ -18167,7 +18128,7 @@
           <p:cNvPr id="4" name="图片 3">
             <a:extLst>
               <a:ext uri="{FF2B5EF4-FFF2-40B4-BE49-F238E27FC236}">
-                <a16:creationId xmlns:a16="http://schemas.microsoft.com/office/drawing/2014/main" xmlns="" id="{02633FAB-0CFA-8A57-E240-642F56C6FFBC}"/>
+                <a16:creationId xmlns:a16="http://schemas.microsoft.com/office/drawing/2014/main" id="{02633FAB-0CFA-8A57-E240-642F56C6FFBC}"/>
               </a:ext>
             </a:extLst>
           </p:cNvPr>
@@ -18227,7 +18188,7 @@
           <p:cNvPr id="2" name="标题 1">
             <a:extLst>
               <a:ext uri="{FF2B5EF4-FFF2-40B4-BE49-F238E27FC236}">
-                <a16:creationId xmlns:a16="http://schemas.microsoft.com/office/drawing/2014/main" xmlns="" id="{21773CAC-5FD5-429E-B689-71E9BE0A40A2}"/>
+                <a16:creationId xmlns:a16="http://schemas.microsoft.com/office/drawing/2014/main" id="{21773CAC-5FD5-429E-B689-71E9BE0A40A2}"/>
               </a:ext>
             </a:extLst>
           </p:cNvPr>
@@ -18268,7 +18229,7 @@
           <p:cNvPr id="10" name="内容占位符 9" descr="热气球">
             <a:extLst>
               <a:ext uri="{FF2B5EF4-FFF2-40B4-BE49-F238E27FC236}">
-                <a16:creationId xmlns:a16="http://schemas.microsoft.com/office/drawing/2014/main" xmlns="" id="{7080D5A5-5F6A-49FC-B362-D90FF1494661}"/>
+                <a16:creationId xmlns:a16="http://schemas.microsoft.com/office/drawing/2014/main" id="{7080D5A5-5F6A-49FC-B362-D90FF1494661}"/>
               </a:ext>
             </a:extLst>
           </p:cNvPr>
@@ -18286,7 +18247,7 @@
                 <a14:useLocalDpi xmlns:a14="http://schemas.microsoft.com/office/drawing/2010/main" val="0"/>
               </a:ext>
               <a:ext uri="{96DAC541-7B7A-43D3-8B79-37D633B846F1}">
-                <asvg:svgBlip xmlns:asvg="http://schemas.microsoft.com/office/drawing/2016/SVG/main" xmlns="" r:embed="rId3"/>
+                <asvg:svgBlip xmlns:asvg="http://schemas.microsoft.com/office/drawing/2016/SVG/main" r:embed="rId3"/>
               </a:ext>
             </a:extLst>
           </a:blip>
@@ -18306,7 +18267,7 @@
           <p:cNvPr id="11" name="矩形 10">
             <a:extLst>
               <a:ext uri="{FF2B5EF4-FFF2-40B4-BE49-F238E27FC236}">
-                <a16:creationId xmlns:a16="http://schemas.microsoft.com/office/drawing/2014/main" xmlns="" id="{F69C5AD4-FE80-4C3D-992A-32CCBE3D4516}"/>
+                <a16:creationId xmlns:a16="http://schemas.microsoft.com/office/drawing/2014/main" id="{F69C5AD4-FE80-4C3D-992A-32CCBE3D4516}"/>
               </a:ext>
             </a:extLst>
           </p:cNvPr>
@@ -18370,7 +18331,7 @@
           <p:cNvPr id="8" name="文本框 7">
             <a:extLst>
               <a:ext uri="{FF2B5EF4-FFF2-40B4-BE49-F238E27FC236}">
-                <a16:creationId xmlns:a16="http://schemas.microsoft.com/office/drawing/2014/main" xmlns="" id="{B9C020AF-BC70-210B-18BE-49F57AFCD342}"/>
+                <a16:creationId xmlns:a16="http://schemas.microsoft.com/office/drawing/2014/main" id="{B9C020AF-BC70-210B-18BE-49F57AFCD342}"/>
               </a:ext>
             </a:extLst>
           </p:cNvPr>
@@ -21329,7 +21290,7 @@
           <p:cNvPr id="2" name="标题 1">
             <a:extLst>
               <a:ext uri="{FF2B5EF4-FFF2-40B4-BE49-F238E27FC236}">
-                <a16:creationId xmlns:a16="http://schemas.microsoft.com/office/drawing/2014/main" xmlns="" id="{21773CAC-5FD5-429E-B689-71E9BE0A40A2}"/>
+                <a16:creationId xmlns:a16="http://schemas.microsoft.com/office/drawing/2014/main" id="{21773CAC-5FD5-429E-B689-71E9BE0A40A2}"/>
               </a:ext>
             </a:extLst>
           </p:cNvPr>
@@ -21370,7 +21331,7 @@
           <p:cNvPr id="10" name="内容占位符 9" descr="热气球">
             <a:extLst>
               <a:ext uri="{FF2B5EF4-FFF2-40B4-BE49-F238E27FC236}">
-                <a16:creationId xmlns:a16="http://schemas.microsoft.com/office/drawing/2014/main" xmlns="" id="{7080D5A5-5F6A-49FC-B362-D90FF1494661}"/>
+                <a16:creationId xmlns:a16="http://schemas.microsoft.com/office/drawing/2014/main" id="{7080D5A5-5F6A-49FC-B362-D90FF1494661}"/>
               </a:ext>
             </a:extLst>
           </p:cNvPr>
@@ -21388,7 +21349,7 @@
                 <a14:useLocalDpi xmlns:a14="http://schemas.microsoft.com/office/drawing/2010/main" val="0"/>
               </a:ext>
               <a:ext uri="{96DAC541-7B7A-43D3-8B79-37D633B846F1}">
-                <asvg:svgBlip xmlns:asvg="http://schemas.microsoft.com/office/drawing/2016/SVG/main" xmlns="" r:embed="rId3"/>
+                <asvg:svgBlip xmlns:asvg="http://schemas.microsoft.com/office/drawing/2016/SVG/main" r:embed="rId3"/>
               </a:ext>
             </a:extLst>
           </a:blip>
@@ -21408,7 +21369,7 @@
           <p:cNvPr id="11" name="矩形 10">
             <a:extLst>
               <a:ext uri="{FF2B5EF4-FFF2-40B4-BE49-F238E27FC236}">
-                <a16:creationId xmlns:a16="http://schemas.microsoft.com/office/drawing/2014/main" xmlns="" id="{F69C5AD4-FE80-4C3D-992A-32CCBE3D4516}"/>
+                <a16:creationId xmlns:a16="http://schemas.microsoft.com/office/drawing/2014/main" id="{F69C5AD4-FE80-4C3D-992A-32CCBE3D4516}"/>
               </a:ext>
             </a:extLst>
           </p:cNvPr>
@@ -21472,7 +21433,7 @@
           <p:cNvPr id="6" name="文本框 5">
             <a:extLst>
               <a:ext uri="{FF2B5EF4-FFF2-40B4-BE49-F238E27FC236}">
-                <a16:creationId xmlns:a16="http://schemas.microsoft.com/office/drawing/2014/main" xmlns="" id="{CFF7F9D8-5A78-A0BD-BA93-4914AF2D918B}"/>
+                <a16:creationId xmlns:a16="http://schemas.microsoft.com/office/drawing/2014/main" id="{CFF7F9D8-5A78-A0BD-BA93-4914AF2D918B}"/>
               </a:ext>
             </a:extLst>
           </p:cNvPr>
@@ -21558,7 +21519,7 @@
           <p:cNvPr id="2" name="标题 1">
             <a:extLst>
               <a:ext uri="{FF2B5EF4-FFF2-40B4-BE49-F238E27FC236}">
-                <a16:creationId xmlns:a16="http://schemas.microsoft.com/office/drawing/2014/main" xmlns="" id="{21773CAC-5FD5-429E-B689-71E9BE0A40A2}"/>
+                <a16:creationId xmlns:a16="http://schemas.microsoft.com/office/drawing/2014/main" id="{21773CAC-5FD5-429E-B689-71E9BE0A40A2}"/>
               </a:ext>
             </a:extLst>
           </p:cNvPr>
@@ -21599,7 +21560,7 @@
           <p:cNvPr id="10" name="内容占位符 9" descr="热气球">
             <a:extLst>
               <a:ext uri="{FF2B5EF4-FFF2-40B4-BE49-F238E27FC236}">
-                <a16:creationId xmlns:a16="http://schemas.microsoft.com/office/drawing/2014/main" xmlns="" id="{7080D5A5-5F6A-49FC-B362-D90FF1494661}"/>
+                <a16:creationId xmlns:a16="http://schemas.microsoft.com/office/drawing/2014/main" id="{7080D5A5-5F6A-49FC-B362-D90FF1494661}"/>
               </a:ext>
             </a:extLst>
           </p:cNvPr>
@@ -21617,7 +21578,7 @@
                 <a14:useLocalDpi xmlns:a14="http://schemas.microsoft.com/office/drawing/2010/main" val="0"/>
               </a:ext>
               <a:ext uri="{96DAC541-7B7A-43D3-8B79-37D633B846F1}">
-                <asvg:svgBlip xmlns:asvg="http://schemas.microsoft.com/office/drawing/2016/SVG/main" xmlns="" r:embed="rId3"/>
+                <asvg:svgBlip xmlns:asvg="http://schemas.microsoft.com/office/drawing/2016/SVG/main" r:embed="rId3"/>
               </a:ext>
             </a:extLst>
           </a:blip>
@@ -21637,7 +21598,7 @@
           <p:cNvPr id="11" name="矩形 10">
             <a:extLst>
               <a:ext uri="{FF2B5EF4-FFF2-40B4-BE49-F238E27FC236}">
-                <a16:creationId xmlns:a16="http://schemas.microsoft.com/office/drawing/2014/main" xmlns="" id="{F69C5AD4-FE80-4C3D-992A-32CCBE3D4516}"/>
+                <a16:creationId xmlns:a16="http://schemas.microsoft.com/office/drawing/2014/main" id="{F69C5AD4-FE80-4C3D-992A-32CCBE3D4516}"/>
               </a:ext>
             </a:extLst>
           </p:cNvPr>
@@ -21701,7 +21662,7 @@
           <p:cNvPr id="15" name="文本框 14">
             <a:extLst>
               <a:ext uri="{FF2B5EF4-FFF2-40B4-BE49-F238E27FC236}">
-                <a16:creationId xmlns:a16="http://schemas.microsoft.com/office/drawing/2014/main" xmlns="" id="{8AC81380-EF8E-4135-9E82-08C884222986}"/>
+                <a16:creationId xmlns:a16="http://schemas.microsoft.com/office/drawing/2014/main" id="{8AC81380-EF8E-4135-9E82-08C884222986}"/>
               </a:ext>
             </a:extLst>
           </p:cNvPr>
@@ -21755,7 +21716,7 @@
           <p:cNvPr id="16" name="矩形 15">
             <a:extLst>
               <a:ext uri="{FF2B5EF4-FFF2-40B4-BE49-F238E27FC236}">
-                <a16:creationId xmlns:a16="http://schemas.microsoft.com/office/drawing/2014/main" xmlns="" id="{CC090BFB-8D74-449D-9246-1B7E1C924A9F}"/>
+                <a16:creationId xmlns:a16="http://schemas.microsoft.com/office/drawing/2014/main" id="{CC090BFB-8D74-449D-9246-1B7E1C924A9F}"/>
               </a:ext>
             </a:extLst>
           </p:cNvPr>
@@ -21816,7 +21777,7 @@
           <p:cNvPr id="24" name="组合 23">
             <a:extLst>
               <a:ext uri="{FF2B5EF4-FFF2-40B4-BE49-F238E27FC236}">
-                <a16:creationId xmlns:a16="http://schemas.microsoft.com/office/drawing/2014/main" xmlns="" id="{F5173AB9-A45E-B6FD-8C32-71FC9FAB8920}"/>
+                <a16:creationId xmlns:a16="http://schemas.microsoft.com/office/drawing/2014/main" id="{F5173AB9-A45E-B6FD-8C32-71FC9FAB8920}"/>
               </a:ext>
             </a:extLst>
           </p:cNvPr>
@@ -21836,7 +21797,7 @@
             <p:cNvPr id="25" name="直接连接符 24">
               <a:extLst>
                 <a:ext uri="{FF2B5EF4-FFF2-40B4-BE49-F238E27FC236}">
-                  <a16:creationId xmlns:a16="http://schemas.microsoft.com/office/drawing/2014/main" xmlns="" id="{3D4D928C-A5FA-326D-0E76-C10B82BB5EF7}"/>
+                  <a16:creationId xmlns:a16="http://schemas.microsoft.com/office/drawing/2014/main" id="{3D4D928C-A5FA-326D-0E76-C10B82BB5EF7}"/>
                 </a:ext>
               </a:extLst>
             </p:cNvPr>
@@ -21872,7 +21833,7 @@
             <p:cNvPr id="26" name="直接连接符 25">
               <a:extLst>
                 <a:ext uri="{FF2B5EF4-FFF2-40B4-BE49-F238E27FC236}">
-                  <a16:creationId xmlns:a16="http://schemas.microsoft.com/office/drawing/2014/main" xmlns="" id="{E24CEF1B-986A-D078-F8D7-99E89B5A2D1C}"/>
+                  <a16:creationId xmlns:a16="http://schemas.microsoft.com/office/drawing/2014/main" id="{E24CEF1B-986A-D078-F8D7-99E89B5A2D1C}"/>
                 </a:ext>
               </a:extLst>
             </p:cNvPr>
@@ -21908,7 +21869,7 @@
             <p:cNvPr id="27" name="直接连接符 26">
               <a:extLst>
                 <a:ext uri="{FF2B5EF4-FFF2-40B4-BE49-F238E27FC236}">
-                  <a16:creationId xmlns:a16="http://schemas.microsoft.com/office/drawing/2014/main" xmlns="" id="{8F26C16A-AEF3-23F0-A112-E2A274898035}"/>
+                  <a16:creationId xmlns:a16="http://schemas.microsoft.com/office/drawing/2014/main" id="{8F26C16A-AEF3-23F0-A112-E2A274898035}"/>
                 </a:ext>
               </a:extLst>
             </p:cNvPr>
@@ -21944,7 +21905,7 @@
             <p:cNvPr id="28" name="直接连接符 27">
               <a:extLst>
                 <a:ext uri="{FF2B5EF4-FFF2-40B4-BE49-F238E27FC236}">
-                  <a16:creationId xmlns:a16="http://schemas.microsoft.com/office/drawing/2014/main" xmlns="" id="{49FEF271-CB4A-2B8C-6529-FD6C14DFF5D1}"/>
+                  <a16:creationId xmlns:a16="http://schemas.microsoft.com/office/drawing/2014/main" id="{49FEF271-CB4A-2B8C-6529-FD6C14DFF5D1}"/>
                 </a:ext>
               </a:extLst>
             </p:cNvPr>
@@ -21980,7 +21941,7 @@
             <p:cNvPr id="29" name="文本框 28">
               <a:extLst>
                 <a:ext uri="{FF2B5EF4-FFF2-40B4-BE49-F238E27FC236}">
-                  <a16:creationId xmlns:a16="http://schemas.microsoft.com/office/drawing/2014/main" xmlns="" id="{45835F0D-39DB-3332-B20F-3151898A774A}"/>
+                  <a16:creationId xmlns:a16="http://schemas.microsoft.com/office/drawing/2014/main" id="{45835F0D-39DB-3332-B20F-3151898A774A}"/>
                 </a:ext>
               </a:extLst>
             </p:cNvPr>
@@ -22015,7 +21976,7 @@
             <p:cNvPr id="30" name="文本框 29">
               <a:extLst>
                 <a:ext uri="{FF2B5EF4-FFF2-40B4-BE49-F238E27FC236}">
-                  <a16:creationId xmlns:a16="http://schemas.microsoft.com/office/drawing/2014/main" xmlns="" id="{30F9AF83-5092-00F3-79C0-6B5C922D6628}"/>
+                  <a16:creationId xmlns:a16="http://schemas.microsoft.com/office/drawing/2014/main" id="{30F9AF83-5092-00F3-79C0-6B5C922D6628}"/>
                 </a:ext>
               </a:extLst>
             </p:cNvPr>
@@ -22050,7 +22011,7 @@
             <p:cNvPr id="31" name="文本框 30">
               <a:extLst>
                 <a:ext uri="{FF2B5EF4-FFF2-40B4-BE49-F238E27FC236}">
-                  <a16:creationId xmlns:a16="http://schemas.microsoft.com/office/drawing/2014/main" xmlns="" id="{58BD8E8C-69E0-82C7-079F-AC658EC9779F}"/>
+                  <a16:creationId xmlns:a16="http://schemas.microsoft.com/office/drawing/2014/main" id="{58BD8E8C-69E0-82C7-079F-AC658EC9779F}"/>
                 </a:ext>
               </a:extLst>
             </p:cNvPr>
@@ -22086,7 +22047,7 @@
           <p:cNvPr id="32" name="文本框 31">
             <a:extLst>
               <a:ext uri="{FF2B5EF4-FFF2-40B4-BE49-F238E27FC236}">
-                <a16:creationId xmlns:a16="http://schemas.microsoft.com/office/drawing/2014/main" xmlns="" id="{2C47D6C9-5B6F-D4AA-2232-84CA111C978B}"/>
+                <a16:creationId xmlns:a16="http://schemas.microsoft.com/office/drawing/2014/main" id="{2C47D6C9-5B6F-D4AA-2232-84CA111C978B}"/>
               </a:ext>
             </a:extLst>
           </p:cNvPr>
@@ -22121,7 +22082,7 @@
           <p:cNvPr id="33" name="曲线连接符 15">
             <a:extLst>
               <a:ext uri="{FF2B5EF4-FFF2-40B4-BE49-F238E27FC236}">
-                <a16:creationId xmlns:a16="http://schemas.microsoft.com/office/drawing/2014/main" xmlns="" id="{1580847A-6256-6BFD-FA65-604505598B3E}"/>
+                <a16:creationId xmlns:a16="http://schemas.microsoft.com/office/drawing/2014/main" id="{1580847A-6256-6BFD-FA65-604505598B3E}"/>
               </a:ext>
             </a:extLst>
           </p:cNvPr>
@@ -22162,7 +22123,7 @@
           <p:cNvPr id="34" name="曲线连接符 16">
             <a:extLst>
               <a:ext uri="{FF2B5EF4-FFF2-40B4-BE49-F238E27FC236}">
-                <a16:creationId xmlns:a16="http://schemas.microsoft.com/office/drawing/2014/main" xmlns="" id="{D9386DE7-196E-3FE1-DC1F-FEDA4F9A959A}"/>
+                <a16:creationId xmlns:a16="http://schemas.microsoft.com/office/drawing/2014/main" id="{D9386DE7-196E-3FE1-DC1F-FEDA4F9A959A}"/>
               </a:ext>
             </a:extLst>
           </p:cNvPr>
@@ -22203,7 +22164,7 @@
           <p:cNvPr id="35" name="文本框 34">
             <a:extLst>
               <a:ext uri="{FF2B5EF4-FFF2-40B4-BE49-F238E27FC236}">
-                <a16:creationId xmlns:a16="http://schemas.microsoft.com/office/drawing/2014/main" xmlns="" id="{9746BEB6-CC9D-71AA-5DD4-0E2DBA1CF2FE}"/>
+                <a16:creationId xmlns:a16="http://schemas.microsoft.com/office/drawing/2014/main" id="{9746BEB6-CC9D-71AA-5DD4-0E2DBA1CF2FE}"/>
               </a:ext>
             </a:extLst>
           </p:cNvPr>
@@ -22243,7 +22204,7 @@
           <p:cNvPr id="36" name="曲线连接符 20">
             <a:extLst>
               <a:ext uri="{FF2B5EF4-FFF2-40B4-BE49-F238E27FC236}">
-                <a16:creationId xmlns:a16="http://schemas.microsoft.com/office/drawing/2014/main" xmlns="" id="{886DD4F5-62B1-F1F9-3C79-58892571DC3F}"/>
+                <a16:creationId xmlns:a16="http://schemas.microsoft.com/office/drawing/2014/main" id="{886DD4F5-62B1-F1F9-3C79-58892571DC3F}"/>
               </a:ext>
             </a:extLst>
           </p:cNvPr>
@@ -22285,7 +22246,7 @@
           <p:cNvPr id="37" name="曲线连接符 21">
             <a:extLst>
               <a:ext uri="{FF2B5EF4-FFF2-40B4-BE49-F238E27FC236}">
-                <a16:creationId xmlns:a16="http://schemas.microsoft.com/office/drawing/2014/main" xmlns="" id="{DA83C4D6-C565-F620-E99B-0E9342A83D61}"/>
+                <a16:creationId xmlns:a16="http://schemas.microsoft.com/office/drawing/2014/main" id="{DA83C4D6-C565-F620-E99B-0E9342A83D61}"/>
               </a:ext>
             </a:extLst>
           </p:cNvPr>
@@ -22327,7 +22288,7 @@
           <p:cNvPr id="38" name="曲线连接符 25">
             <a:extLst>
               <a:ext uri="{FF2B5EF4-FFF2-40B4-BE49-F238E27FC236}">
-                <a16:creationId xmlns:a16="http://schemas.microsoft.com/office/drawing/2014/main" xmlns="" id="{44FA3571-F015-91BD-1577-B1AAE491006F}"/>
+                <a16:creationId xmlns:a16="http://schemas.microsoft.com/office/drawing/2014/main" id="{44FA3571-F015-91BD-1577-B1AAE491006F}"/>
               </a:ext>
             </a:extLst>
           </p:cNvPr>
@@ -22368,7 +22329,7 @@
           <p:cNvPr id="39" name="文本框 38">
             <a:extLst>
               <a:ext uri="{FF2B5EF4-FFF2-40B4-BE49-F238E27FC236}">
-                <a16:creationId xmlns:a16="http://schemas.microsoft.com/office/drawing/2014/main" xmlns="" id="{7B4A0C76-777C-D344-DCDD-71BB133D552C}"/>
+                <a16:creationId xmlns:a16="http://schemas.microsoft.com/office/drawing/2014/main" id="{7B4A0C76-777C-D344-DCDD-71BB133D552C}"/>
               </a:ext>
             </a:extLst>
           </p:cNvPr>
@@ -22411,7 +22372,7 @@
           <p:cNvPr id="40" name="曲线连接符 27">
             <a:extLst>
               <a:ext uri="{FF2B5EF4-FFF2-40B4-BE49-F238E27FC236}">
-                <a16:creationId xmlns:a16="http://schemas.microsoft.com/office/drawing/2014/main" xmlns="" id="{452CAC21-1A75-8D3D-9FCD-A7E0B7A72CDC}"/>
+                <a16:creationId xmlns:a16="http://schemas.microsoft.com/office/drawing/2014/main" id="{452CAC21-1A75-8D3D-9FCD-A7E0B7A72CDC}"/>
               </a:ext>
             </a:extLst>
           </p:cNvPr>
@@ -22453,7 +22414,7 @@
           <p:cNvPr id="45" name="文本框 44">
             <a:extLst>
               <a:ext uri="{FF2B5EF4-FFF2-40B4-BE49-F238E27FC236}">
-                <a16:creationId xmlns:a16="http://schemas.microsoft.com/office/drawing/2014/main" xmlns="" id="{72B6C726-F5E1-4C61-22DF-4A742E8D60F2}"/>
+                <a16:creationId xmlns:a16="http://schemas.microsoft.com/office/drawing/2014/main" id="{72B6C726-F5E1-4C61-22DF-4A742E8D60F2}"/>
               </a:ext>
             </a:extLst>
           </p:cNvPr>
@@ -22669,7 +22630,7 @@
           <p:cNvPr id="2" name="标题 1">
             <a:extLst>
               <a:ext uri="{FF2B5EF4-FFF2-40B4-BE49-F238E27FC236}">
-                <a16:creationId xmlns:a16="http://schemas.microsoft.com/office/drawing/2014/main" xmlns="" id="{21773CAC-5FD5-429E-B689-71E9BE0A40A2}"/>
+                <a16:creationId xmlns:a16="http://schemas.microsoft.com/office/drawing/2014/main" id="{21773CAC-5FD5-429E-B689-71E9BE0A40A2}"/>
               </a:ext>
             </a:extLst>
           </p:cNvPr>
@@ -22710,7 +22671,7 @@
           <p:cNvPr id="10" name="内容占位符 9" descr="热气球">
             <a:extLst>
               <a:ext uri="{FF2B5EF4-FFF2-40B4-BE49-F238E27FC236}">
-                <a16:creationId xmlns:a16="http://schemas.microsoft.com/office/drawing/2014/main" xmlns="" id="{7080D5A5-5F6A-49FC-B362-D90FF1494661}"/>
+                <a16:creationId xmlns:a16="http://schemas.microsoft.com/office/drawing/2014/main" id="{7080D5A5-5F6A-49FC-B362-D90FF1494661}"/>
               </a:ext>
             </a:extLst>
           </p:cNvPr>
@@ -22728,7 +22689,7 @@
                 <a14:useLocalDpi xmlns:a14="http://schemas.microsoft.com/office/drawing/2010/main" val="0"/>
               </a:ext>
               <a:ext uri="{96DAC541-7B7A-43D3-8B79-37D633B846F1}">
-                <asvg:svgBlip xmlns:asvg="http://schemas.microsoft.com/office/drawing/2016/SVG/main" xmlns="" r:embed="rId3"/>
+                <asvg:svgBlip xmlns:asvg="http://schemas.microsoft.com/office/drawing/2016/SVG/main" r:embed="rId3"/>
               </a:ext>
             </a:extLst>
           </a:blip>
@@ -22748,7 +22709,7 @@
           <p:cNvPr id="11" name="矩形 10">
             <a:extLst>
               <a:ext uri="{FF2B5EF4-FFF2-40B4-BE49-F238E27FC236}">
-                <a16:creationId xmlns:a16="http://schemas.microsoft.com/office/drawing/2014/main" xmlns="" id="{F69C5AD4-FE80-4C3D-992A-32CCBE3D4516}"/>
+                <a16:creationId xmlns:a16="http://schemas.microsoft.com/office/drawing/2014/main" id="{F69C5AD4-FE80-4C3D-992A-32CCBE3D4516}"/>
               </a:ext>
             </a:extLst>
           </p:cNvPr>
@@ -22812,7 +22773,7 @@
           <p:cNvPr id="13" name="文本框 12">
             <a:extLst>
               <a:ext uri="{FF2B5EF4-FFF2-40B4-BE49-F238E27FC236}">
-                <a16:creationId xmlns:a16="http://schemas.microsoft.com/office/drawing/2014/main" xmlns="" id="{0AB2DA39-9E8D-0377-361C-4FAAD74BBCF1}"/>
+                <a16:creationId xmlns:a16="http://schemas.microsoft.com/office/drawing/2014/main" id="{0AB2DA39-9E8D-0377-361C-4FAAD74BBCF1}"/>
               </a:ext>
             </a:extLst>
           </p:cNvPr>
@@ -22901,7 +22862,7 @@
           <p:cNvPr id="16" name="矩形 15">
             <a:extLst>
               <a:ext uri="{FF2B5EF4-FFF2-40B4-BE49-F238E27FC236}">
-                <a16:creationId xmlns:a16="http://schemas.microsoft.com/office/drawing/2014/main" xmlns="" id="{7A4ED113-247E-AD84-54A7-7778BA6B4177}"/>
+                <a16:creationId xmlns:a16="http://schemas.microsoft.com/office/drawing/2014/main" id="{7A4ED113-247E-AD84-54A7-7778BA6B4177}"/>
               </a:ext>
             </a:extLst>
           </p:cNvPr>
@@ -22951,7 +22912,7 @@
           <p:cNvPr id="17" name="矩形 16">
             <a:extLst>
               <a:ext uri="{FF2B5EF4-FFF2-40B4-BE49-F238E27FC236}">
-                <a16:creationId xmlns:a16="http://schemas.microsoft.com/office/drawing/2014/main" xmlns="" id="{726426C9-09C0-772A-8C5A-7D01B7950E45}"/>
+                <a16:creationId xmlns:a16="http://schemas.microsoft.com/office/drawing/2014/main" id="{726426C9-09C0-772A-8C5A-7D01B7950E45}"/>
               </a:ext>
             </a:extLst>
           </p:cNvPr>
@@ -23031,7 +22992,7 @@
           <p:cNvPr id="2" name="标题 1">
             <a:extLst>
               <a:ext uri="{FF2B5EF4-FFF2-40B4-BE49-F238E27FC236}">
-                <a16:creationId xmlns:a16="http://schemas.microsoft.com/office/drawing/2014/main" xmlns="" id="{21773CAC-5FD5-429E-B689-71E9BE0A40A2}"/>
+                <a16:creationId xmlns:a16="http://schemas.microsoft.com/office/drawing/2014/main" id="{21773CAC-5FD5-429E-B689-71E9BE0A40A2}"/>
               </a:ext>
             </a:extLst>
           </p:cNvPr>
@@ -23072,7 +23033,7 @@
           <p:cNvPr id="10" name="内容占位符 9" descr="热气球">
             <a:extLst>
               <a:ext uri="{FF2B5EF4-FFF2-40B4-BE49-F238E27FC236}">
-                <a16:creationId xmlns:a16="http://schemas.microsoft.com/office/drawing/2014/main" xmlns="" id="{7080D5A5-5F6A-49FC-B362-D90FF1494661}"/>
+                <a16:creationId xmlns:a16="http://schemas.microsoft.com/office/drawing/2014/main" id="{7080D5A5-5F6A-49FC-B362-D90FF1494661}"/>
               </a:ext>
             </a:extLst>
           </p:cNvPr>
@@ -23090,7 +23051,7 @@
                 <a14:useLocalDpi xmlns:a14="http://schemas.microsoft.com/office/drawing/2010/main" val="0"/>
               </a:ext>
               <a:ext uri="{96DAC541-7B7A-43D3-8B79-37D633B846F1}">
-                <asvg:svgBlip xmlns:asvg="http://schemas.microsoft.com/office/drawing/2016/SVG/main" xmlns="" r:embed="rId3"/>
+                <asvg:svgBlip xmlns:asvg="http://schemas.microsoft.com/office/drawing/2016/SVG/main" r:embed="rId3"/>
               </a:ext>
             </a:extLst>
           </a:blip>
@@ -23110,7 +23071,7 @@
           <p:cNvPr id="11" name="矩形 10">
             <a:extLst>
               <a:ext uri="{FF2B5EF4-FFF2-40B4-BE49-F238E27FC236}">
-                <a16:creationId xmlns:a16="http://schemas.microsoft.com/office/drawing/2014/main" xmlns="" id="{F69C5AD4-FE80-4C3D-992A-32CCBE3D4516}"/>
+                <a16:creationId xmlns:a16="http://schemas.microsoft.com/office/drawing/2014/main" id="{F69C5AD4-FE80-4C3D-992A-32CCBE3D4516}"/>
               </a:ext>
             </a:extLst>
           </p:cNvPr>
@@ -23174,7 +23135,7 @@
           <p:cNvPr id="8" name="文本框 7">
             <a:extLst>
               <a:ext uri="{FF2B5EF4-FFF2-40B4-BE49-F238E27FC236}">
-                <a16:creationId xmlns:a16="http://schemas.microsoft.com/office/drawing/2014/main" xmlns="" id="{CF7431FE-A7AE-4152-2B3E-75289F1635D9}"/>
+                <a16:creationId xmlns:a16="http://schemas.microsoft.com/office/drawing/2014/main" id="{CF7431FE-A7AE-4152-2B3E-75289F1635D9}"/>
               </a:ext>
             </a:extLst>
           </p:cNvPr>
@@ -23331,7 +23292,7 @@
           <p:cNvPr id="9" name="矩形 8">
             <a:extLst>
               <a:ext uri="{FF2B5EF4-FFF2-40B4-BE49-F238E27FC236}">
-                <a16:creationId xmlns:a16="http://schemas.microsoft.com/office/drawing/2014/main" xmlns="" id="{1EFEF2E8-A9F3-856B-9A13-EE7CB72370EC}"/>
+                <a16:creationId xmlns:a16="http://schemas.microsoft.com/office/drawing/2014/main" id="{1EFEF2E8-A9F3-856B-9A13-EE7CB72370EC}"/>
               </a:ext>
             </a:extLst>
           </p:cNvPr>
@@ -23411,7 +23372,7 @@
           <p:cNvPr id="2" name="标题 1">
             <a:extLst>
               <a:ext uri="{FF2B5EF4-FFF2-40B4-BE49-F238E27FC236}">
-                <a16:creationId xmlns:a16="http://schemas.microsoft.com/office/drawing/2014/main" xmlns="" id="{21773CAC-5FD5-429E-B689-71E9BE0A40A2}"/>
+                <a16:creationId xmlns:a16="http://schemas.microsoft.com/office/drawing/2014/main" id="{21773CAC-5FD5-429E-B689-71E9BE0A40A2}"/>
               </a:ext>
             </a:extLst>
           </p:cNvPr>
@@ -23452,7 +23413,7 @@
           <p:cNvPr id="10" name="内容占位符 9" descr="热气球">
             <a:extLst>
               <a:ext uri="{FF2B5EF4-FFF2-40B4-BE49-F238E27FC236}">
-                <a16:creationId xmlns:a16="http://schemas.microsoft.com/office/drawing/2014/main" xmlns="" id="{7080D5A5-5F6A-49FC-B362-D90FF1494661}"/>
+                <a16:creationId xmlns:a16="http://schemas.microsoft.com/office/drawing/2014/main" id="{7080D5A5-5F6A-49FC-B362-D90FF1494661}"/>
               </a:ext>
             </a:extLst>
           </p:cNvPr>
@@ -23470,7 +23431,7 @@
                 <a14:useLocalDpi xmlns:a14="http://schemas.microsoft.com/office/drawing/2010/main" val="0"/>
               </a:ext>
               <a:ext uri="{96DAC541-7B7A-43D3-8B79-37D633B846F1}">
-                <asvg:svgBlip xmlns:asvg="http://schemas.microsoft.com/office/drawing/2016/SVG/main" xmlns="" r:embed="rId3"/>
+                <asvg:svgBlip xmlns:asvg="http://schemas.microsoft.com/office/drawing/2016/SVG/main" r:embed="rId3"/>
               </a:ext>
             </a:extLst>
           </a:blip>
@@ -23490,7 +23451,7 @@
           <p:cNvPr id="11" name="矩形 10">
             <a:extLst>
               <a:ext uri="{FF2B5EF4-FFF2-40B4-BE49-F238E27FC236}">
-                <a16:creationId xmlns:a16="http://schemas.microsoft.com/office/drawing/2014/main" xmlns="" id="{F69C5AD4-FE80-4C3D-992A-32CCBE3D4516}"/>
+                <a16:creationId xmlns:a16="http://schemas.microsoft.com/office/drawing/2014/main" id="{F69C5AD4-FE80-4C3D-992A-32CCBE3D4516}"/>
               </a:ext>
             </a:extLst>
           </p:cNvPr>
@@ -23554,7 +23515,7 @@
           <p:cNvPr id="3" name="图片 2">
             <a:extLst>
               <a:ext uri="{FF2B5EF4-FFF2-40B4-BE49-F238E27FC236}">
-                <a16:creationId xmlns:a16="http://schemas.microsoft.com/office/drawing/2014/main" xmlns="" id="{0C38B3BA-BB49-6D18-1119-E4105ABFCE15}"/>
+                <a16:creationId xmlns:a16="http://schemas.microsoft.com/office/drawing/2014/main" id="{0C38B3BA-BB49-6D18-1119-E4105ABFCE15}"/>
               </a:ext>
             </a:extLst>
           </p:cNvPr>
@@ -23584,7 +23545,7 @@
           <p:cNvPr id="35" name="文本框 34">
             <a:extLst>
               <a:ext uri="{FF2B5EF4-FFF2-40B4-BE49-F238E27FC236}">
-                <a16:creationId xmlns:a16="http://schemas.microsoft.com/office/drawing/2014/main" xmlns="" id="{91570967-2107-CB8E-0D54-0A05BB6EEE8B}"/>
+                <a16:creationId xmlns:a16="http://schemas.microsoft.com/office/drawing/2014/main" id="{91570967-2107-CB8E-0D54-0A05BB6EEE8B}"/>
               </a:ext>
             </a:extLst>
           </p:cNvPr>
@@ -23656,26 +23617,18 @@
           </a:p>
           <a:p>
             <a:r>
-              <a:rPr lang="zh-CN" altLang="en-US" sz="3200" dirty="0" smtClean="0"/>
-              <a:t>选择</a:t>
-            </a:r>
-            <a:r>
               <a:rPr lang="zh-CN" altLang="en-US" sz="3200" dirty="0"/>
-              <a:t>由代价最小的合并方式来转移。</a:t>
-            </a:r>
-          </a:p>
-          <a:p>
-            <a:r>
-              <a:rPr lang="en-US" altLang="zh-CN" sz="3200" dirty="0" err="1" smtClean="0"/>
+              <a:t>选择由代价最小的合并方式来转移。</a:t>
+            </a:r>
+          </a:p>
+          <a:p>
+            <a:r>
+              <a:rPr lang="en-US" altLang="zh-CN" sz="3200" dirty="0" err="1"/>
               <a:t>dp</a:t>
             </a:r>
             <a:r>
-              <a:rPr lang="en-US" altLang="zh-CN" sz="3200" dirty="0" smtClean="0"/>
-              <a:t>[1,5</a:t>
-            </a:r>
-            <a:r>
               <a:rPr lang="en-US" altLang="zh-CN" sz="3200" dirty="0"/>
-              <a:t>]=min(</a:t>
+              <a:t>[1,5]=min(</a:t>
             </a:r>
             <a:r>
               <a:rPr lang="en-US" altLang="zh-CN" sz="3200" dirty="0" err="1"/>
@@ -23792,7 +23745,7 @@
           <p:cNvPr id="2" name="标题 1">
             <a:extLst>
               <a:ext uri="{FF2B5EF4-FFF2-40B4-BE49-F238E27FC236}">
-                <a16:creationId xmlns:a16="http://schemas.microsoft.com/office/drawing/2014/main" xmlns="" id="{21773CAC-5FD5-429E-B689-71E9BE0A40A2}"/>
+                <a16:creationId xmlns:a16="http://schemas.microsoft.com/office/drawing/2014/main" id="{21773CAC-5FD5-429E-B689-71E9BE0A40A2}"/>
               </a:ext>
             </a:extLst>
           </p:cNvPr>
@@ -23833,7 +23786,7 @@
           <p:cNvPr id="10" name="内容占位符 9" descr="热气球">
             <a:extLst>
               <a:ext uri="{FF2B5EF4-FFF2-40B4-BE49-F238E27FC236}">
-                <a16:creationId xmlns:a16="http://schemas.microsoft.com/office/drawing/2014/main" xmlns="" id="{7080D5A5-5F6A-49FC-B362-D90FF1494661}"/>
+                <a16:creationId xmlns:a16="http://schemas.microsoft.com/office/drawing/2014/main" id="{7080D5A5-5F6A-49FC-B362-D90FF1494661}"/>
               </a:ext>
             </a:extLst>
           </p:cNvPr>
@@ -23851,7 +23804,7 @@
                 <a14:useLocalDpi xmlns:a14="http://schemas.microsoft.com/office/drawing/2010/main" val="0"/>
               </a:ext>
               <a:ext uri="{96DAC541-7B7A-43D3-8B79-37D633B846F1}">
-                <asvg:svgBlip xmlns:asvg="http://schemas.microsoft.com/office/drawing/2016/SVG/main" xmlns="" r:embed="rId3"/>
+                <asvg:svgBlip xmlns:asvg="http://schemas.microsoft.com/office/drawing/2016/SVG/main" r:embed="rId3"/>
               </a:ext>
             </a:extLst>
           </a:blip>
@@ -23871,7 +23824,7 @@
           <p:cNvPr id="11" name="矩形 10">
             <a:extLst>
               <a:ext uri="{FF2B5EF4-FFF2-40B4-BE49-F238E27FC236}">
-                <a16:creationId xmlns:a16="http://schemas.microsoft.com/office/drawing/2014/main" xmlns="" id="{F69C5AD4-FE80-4C3D-992A-32CCBE3D4516}"/>
+                <a16:creationId xmlns:a16="http://schemas.microsoft.com/office/drawing/2014/main" id="{F69C5AD4-FE80-4C3D-992A-32CCBE3D4516}"/>
               </a:ext>
             </a:extLst>
           </p:cNvPr>
@@ -23935,7 +23888,7 @@
           <p:cNvPr id="4" name="图片 3">
             <a:extLst>
               <a:ext uri="{FF2B5EF4-FFF2-40B4-BE49-F238E27FC236}">
-                <a16:creationId xmlns:a16="http://schemas.microsoft.com/office/drawing/2014/main" xmlns="" id="{4A207DF1-474E-CB78-6FF9-49DC4E799381}"/>
+                <a16:creationId xmlns:a16="http://schemas.microsoft.com/office/drawing/2014/main" id="{4A207DF1-474E-CB78-6FF9-49DC4E799381}"/>
               </a:ext>
             </a:extLst>
           </p:cNvPr>
@@ -23965,7 +23918,7 @@
           <p:cNvPr id="34" name="文本框 33">
             <a:extLst>
               <a:ext uri="{FF2B5EF4-FFF2-40B4-BE49-F238E27FC236}">
-                <a16:creationId xmlns:a16="http://schemas.microsoft.com/office/drawing/2014/main" xmlns="" id="{6EDEEB08-08AB-2E5D-B9DA-283FE2957EE0}"/>
+                <a16:creationId xmlns:a16="http://schemas.microsoft.com/office/drawing/2014/main" id="{6EDEEB08-08AB-2E5D-B9DA-283FE2957EE0}"/>
               </a:ext>
             </a:extLst>
           </p:cNvPr>
@@ -24001,12 +23954,8 @@
           </a:p>
           <a:p>
             <a:r>
-              <a:rPr lang="zh-CN" altLang="en-US" sz="3200" dirty="0" smtClean="0"/>
-              <a:t>做法</a:t>
-            </a:r>
-            <a:r>
               <a:rPr lang="zh-CN" altLang="en-US" sz="3200" dirty="0"/>
-              <a:t>是将序列复制一份放到末尾，形成两倍长的链</a:t>
+              <a:t>做法是将序列复制一份放到末尾，形成两倍长的链</a:t>
             </a:r>
           </a:p>
           <a:p>
@@ -24125,10 +24074,9 @@
           </a:p>
           <a:p>
             <a:r>
-              <a:rPr lang="zh-CN" altLang="en-US" sz="3200" dirty="0" smtClean="0"/>
+              <a:rPr lang="zh-CN" altLang="en-US" sz="3200" dirty="0"/>
               <a:t>以此类推</a:t>
             </a:r>
-            <a:endParaRPr lang="zh-CN" altLang="en-US" sz="3200" dirty="0"/>
           </a:p>
         </p:txBody>
       </p:sp>
@@ -24167,7 +24115,7 @@
           <p:cNvPr id="2" name="标题 1">
             <a:extLst>
               <a:ext uri="{FF2B5EF4-FFF2-40B4-BE49-F238E27FC236}">
-                <a16:creationId xmlns:a16="http://schemas.microsoft.com/office/drawing/2014/main" xmlns="" id="{21773CAC-5FD5-429E-B689-71E9BE0A40A2}"/>
+                <a16:creationId xmlns:a16="http://schemas.microsoft.com/office/drawing/2014/main" id="{21773CAC-5FD5-429E-B689-71E9BE0A40A2}"/>
               </a:ext>
             </a:extLst>
           </p:cNvPr>
@@ -24208,7 +24156,7 @@
           <p:cNvPr id="10" name="内容占位符 9" descr="热气球">
             <a:extLst>
               <a:ext uri="{FF2B5EF4-FFF2-40B4-BE49-F238E27FC236}">
-                <a16:creationId xmlns:a16="http://schemas.microsoft.com/office/drawing/2014/main" xmlns="" id="{7080D5A5-5F6A-49FC-B362-D90FF1494661}"/>
+                <a16:creationId xmlns:a16="http://schemas.microsoft.com/office/drawing/2014/main" id="{7080D5A5-5F6A-49FC-B362-D90FF1494661}"/>
               </a:ext>
             </a:extLst>
           </p:cNvPr>
@@ -24226,7 +24174,7 @@
                 <a14:useLocalDpi xmlns:a14="http://schemas.microsoft.com/office/drawing/2010/main" val="0"/>
               </a:ext>
               <a:ext uri="{96DAC541-7B7A-43D3-8B79-37D633B846F1}">
-                <asvg:svgBlip xmlns:asvg="http://schemas.microsoft.com/office/drawing/2016/SVG/main" xmlns="" r:embed="rId3"/>
+                <asvg:svgBlip xmlns:asvg="http://schemas.microsoft.com/office/drawing/2016/SVG/main" r:embed="rId3"/>
               </a:ext>
             </a:extLst>
           </a:blip>
@@ -24246,7 +24194,7 @@
           <p:cNvPr id="11" name="矩形 10">
             <a:extLst>
               <a:ext uri="{FF2B5EF4-FFF2-40B4-BE49-F238E27FC236}">
-                <a16:creationId xmlns:a16="http://schemas.microsoft.com/office/drawing/2014/main" xmlns="" id="{F69C5AD4-FE80-4C3D-992A-32CCBE3D4516}"/>
+                <a16:creationId xmlns:a16="http://schemas.microsoft.com/office/drawing/2014/main" id="{F69C5AD4-FE80-4C3D-992A-32CCBE3D4516}"/>
               </a:ext>
             </a:extLst>
           </p:cNvPr>
@@ -24310,7 +24258,7 @@
           <p:cNvPr id="7" name="文本框 6">
             <a:extLst>
               <a:ext uri="{FF2B5EF4-FFF2-40B4-BE49-F238E27FC236}">
-                <a16:creationId xmlns:a16="http://schemas.microsoft.com/office/drawing/2014/main" xmlns="" id="{191CF0FF-6599-E289-5899-39BCECFFBF2B}"/>
+                <a16:creationId xmlns:a16="http://schemas.microsoft.com/office/drawing/2014/main" id="{191CF0FF-6599-E289-5899-39BCECFFBF2B}"/>
               </a:ext>
             </a:extLst>
           </p:cNvPr>
@@ -24356,7 +24304,7 @@
           <p:cNvPr id="8" name="文本框 7">
             <a:extLst>
               <a:ext uri="{FF2B5EF4-FFF2-40B4-BE49-F238E27FC236}">
-                <a16:creationId xmlns:a16="http://schemas.microsoft.com/office/drawing/2014/main" xmlns="" id="{797B2A6E-6650-754B-900F-D875AF9E3B52}"/>
+                <a16:creationId xmlns:a16="http://schemas.microsoft.com/office/drawing/2014/main" id="{797B2A6E-6650-754B-900F-D875AF9E3B52}"/>
               </a:ext>
             </a:extLst>
           </p:cNvPr>
@@ -24736,7 +24684,7 @@
   <a:extraClrSchemeLst/>
   <a:extLst>
     <a:ext uri="{05A4C25C-085E-4340-85A3-A5531E510DB2}">
-      <thm15:themeFamily xmlns:thm15="http://schemas.microsoft.com/office/thememl/2012/main" xmlns="" name="Facet" id="{C0C680CD-088A-49FC-A102-D699147F32B2}" vid="{CFBC31BA-B70F-4F30-BCAA-4F3011E16C4D}"/>
+      <thm15:themeFamily xmlns:thm15="http://schemas.microsoft.com/office/thememl/2012/main" name="Facet" id="{C0C680CD-088A-49FC-A102-D699147F32B2}" vid="{CFBC31BA-B70F-4F30-BCAA-4F3011E16C4D}"/>
     </a:ext>
   </a:extLst>
 </a:theme>
@@ -24997,7 +24945,7 @@
   <a:extraClrSchemeLst/>
   <a:extLst>
     <a:ext uri="{05A4C25C-085E-4340-85A3-A5531E510DB2}">
-      <thm15:themeFamily xmlns:thm15="http://schemas.microsoft.com/office/thememl/2012/main" xmlns="" name="Office Theme" id="{62F939B6-93AF-4DB8-9C6B-D6C7DFDC589F}" vid="{4A3C46E8-61CC-4603-A589-7422A47A8E4A}"/>
+      <thm15:themeFamily xmlns:thm15="http://schemas.microsoft.com/office/thememl/2012/main" name="Office Theme" id="{62F939B6-93AF-4DB8-9C6B-D6C7DFDC589F}" vid="{4A3C46E8-61CC-4603-A589-7422A47A8E4A}"/>
     </a:ext>
   </a:extLst>
 </a:theme>
@@ -25258,7 +25206,7 @@
   <a:extraClrSchemeLst/>
   <a:extLst>
     <a:ext uri="{05A4C25C-085E-4340-85A3-A5531E510DB2}">
-      <thm15:themeFamily xmlns:thm15="http://schemas.microsoft.com/office/thememl/2012/main" xmlns="" name="Office Theme" id="{62F939B6-93AF-4DB8-9C6B-D6C7DFDC589F}" vid="{4A3C46E8-61CC-4603-A589-7422A47A8E4A}"/>
+      <thm15:themeFamily xmlns:thm15="http://schemas.microsoft.com/office/thememl/2012/main" name="Office Theme" id="{62F939B6-93AF-4DB8-9C6B-D6C7DFDC589F}" vid="{4A3C46E8-61CC-4603-A589-7422A47A8E4A}"/>
     </a:ext>
   </a:extLst>
 </a:theme>
